--- a/report/DFD.pptx
+++ b/report/DFD.pptx
@@ -6,6 +6,7 @@
   </p:sldMasterIdLst>
   <p:sldIdLst>
     <p:sldId id="256" r:id="rId2"/>
+    <p:sldId id="257" r:id="rId3"/>
   </p:sldIdLst>
   <p:sldSz cx="9144000" cy="6858000" type="screen4x3"/>
   <p:notesSz cx="6858000" cy="9144000"/>
@@ -3520,7 +3521,6 @@
               <a:rPr lang="en-IN" dirty="0" smtClean="0"/>
               <a:t>Exercise</a:t>
             </a:r>
-            <a:endParaRPr lang="en-IN" dirty="0" smtClean="0"/>
           </a:p>
         </p:txBody>
       </p:sp>
@@ -3578,11 +3578,7 @@
           <a:p>
             <a:r>
               <a:rPr lang="en-US" dirty="0" smtClean="0"/>
-              <a:t>Weight </a:t>
-            </a:r>
-            <a:r>
-              <a:rPr lang="en-US" dirty="0" smtClean="0"/>
-              <a:t>Chart</a:t>
+              <a:t>Weight Chart</a:t>
             </a:r>
             <a:endParaRPr lang="en-IN" dirty="0"/>
           </a:p>
@@ -3612,11 +3608,7 @@
           <a:p>
             <a:r>
               <a:rPr lang="en-US" dirty="0" smtClean="0"/>
-              <a:t>Diet </a:t>
-            </a:r>
-            <a:r>
-              <a:rPr lang="en-US" dirty="0" smtClean="0"/>
-              <a:t>Chart</a:t>
+              <a:t>Diet Chart</a:t>
             </a:r>
             <a:endParaRPr lang="en-IN" dirty="0"/>
           </a:p>
@@ -4171,11 +4163,7 @@
           <a:p>
             <a:r>
               <a:rPr lang="en-US" dirty="0" smtClean="0"/>
-              <a:t>Add </a:t>
-            </a:r>
-            <a:r>
-              <a:rPr lang="en-US" dirty="0" smtClean="0"/>
-              <a:t>food details </a:t>
+              <a:t>Add food details </a:t>
             </a:r>
             <a:endParaRPr lang="en-IN" dirty="0"/>
           </a:p>
@@ -4205,11 +4193,7 @@
           <a:p>
             <a:r>
               <a:rPr lang="en-US" dirty="0" smtClean="0"/>
-              <a:t>User </a:t>
-            </a:r>
-            <a:r>
-              <a:rPr lang="en-US" dirty="0" smtClean="0"/>
-              <a:t>exercise </a:t>
+              <a:t>User exercise </a:t>
             </a:r>
           </a:p>
           <a:p>
@@ -4245,11 +4229,7 @@
           <a:p>
             <a:r>
               <a:rPr lang="en-US" dirty="0" smtClean="0"/>
-              <a:t>Provide </a:t>
-            </a:r>
-            <a:r>
-              <a:rPr lang="en-US" dirty="0" smtClean="0"/>
-              <a:t>exercise </a:t>
+              <a:t>Provide exercise </a:t>
             </a:r>
           </a:p>
           <a:p>
@@ -4718,7 +4698,6 @@
               <a:rPr lang="en-US" dirty="0" smtClean="0"/>
               <a:t>Physical </a:t>
             </a:r>
-            <a:endParaRPr lang="en-US" dirty="0" smtClean="0"/>
           </a:p>
           <a:p>
             <a:r>
@@ -4764,7 +4743,6 @@
               <a:rPr lang="en-US" dirty="0" smtClean="0"/>
               <a:t>User </a:t>
             </a:r>
-            <a:endParaRPr lang="en-US" dirty="0" smtClean="0"/>
           </a:p>
           <a:p>
             <a:r>
@@ -4775,6 +4753,5332 @@
           </a:p>
           <a:p>
             <a:endParaRPr lang="en-IN" dirty="0"/>
+          </a:p>
+        </p:txBody>
+      </p:sp>
+    </p:spTree>
+  </p:cSld>
+  <p:clrMapOvr>
+    <a:masterClrMapping/>
+  </p:clrMapOvr>
+</p:sld>
+</file>
+
+<file path=ppt/slides/slide2.xml><?xml version="1.0" encoding="utf-8"?>
+<p:sld xmlns:a="http://schemas.openxmlformats.org/drawingml/2006/main" xmlns:r="http://schemas.openxmlformats.org/officeDocument/2006/relationships" xmlns:p="http://schemas.openxmlformats.org/presentationml/2006/main">
+  <p:cSld>
+    <p:spTree>
+      <p:nvGrpSpPr>
+        <p:cNvPr id="1" name=""/>
+        <p:cNvGrpSpPr/>
+        <p:nvPr/>
+      </p:nvGrpSpPr>
+      <p:grpSpPr>
+        <a:xfrm>
+          <a:off x="0" y="0"/>
+          <a:ext cx="0" cy="0"/>
+          <a:chOff x="0" y="0"/>
+          <a:chExt cx="0" cy="0"/>
+        </a:xfrm>
+      </p:grpSpPr>
+      <p:sp>
+        <p:nvSpPr>
+          <p:cNvPr id="67" name="Oval 66"/>
+          <p:cNvSpPr/>
+          <p:nvPr/>
+        </p:nvSpPr>
+        <p:spPr>
+          <a:xfrm>
+            <a:off x="3563888" y="2852936"/>
+            <a:ext cx="2088232" cy="1296144"/>
+          </a:xfrm>
+          <a:prstGeom prst="ellipse">
+            <a:avLst/>
+          </a:prstGeom>
+          <a:noFill/>
+          <a:ln>
+            <a:solidFill>
+              <a:schemeClr val="tx1"/>
+            </a:solidFill>
+          </a:ln>
+        </p:spPr>
+        <p:style>
+          <a:lnRef idx="2">
+            <a:schemeClr val="accent1">
+              <a:shade val="50000"/>
+            </a:schemeClr>
+          </a:lnRef>
+          <a:fillRef idx="1">
+            <a:schemeClr val="accent1"/>
+          </a:fillRef>
+          <a:effectRef idx="0">
+            <a:schemeClr val="accent1"/>
+          </a:effectRef>
+          <a:fontRef idx="minor">
+            <a:schemeClr val="lt1"/>
+          </a:fontRef>
+        </p:style>
+        <p:txBody>
+          <a:bodyPr rtlCol="0" anchor="ctr"/>
+          <a:lstStyle/>
+          <a:p>
+            <a:pPr algn="ctr"/>
+            <a:endParaRPr lang="en-IN"/>
+          </a:p>
+        </p:txBody>
+      </p:sp>
+      <p:sp>
+        <p:nvSpPr>
+          <p:cNvPr id="74" name="TextBox 73"/>
+          <p:cNvSpPr txBox="1"/>
+          <p:nvPr/>
+        </p:nvSpPr>
+        <p:spPr>
+          <a:xfrm>
+            <a:off x="3851920" y="3284984"/>
+            <a:ext cx="1591333" cy="369332"/>
+          </a:xfrm>
+          <a:prstGeom prst="rect">
+            <a:avLst/>
+          </a:prstGeom>
+          <a:noFill/>
+        </p:spPr>
+        <p:txBody>
+          <a:bodyPr wrap="none" rtlCol="0">
+            <a:spAutoFit/>
+          </a:bodyPr>
+          <a:lstStyle/>
+          <a:p>
+            <a:r>
+              <a:rPr lang="x-none" b="1" smtClean="0"/>
+              <a:t>Fitness </a:t>
+            </a:r>
+            <a:r>
+              <a:rPr lang="en-US" b="1" dirty="0" smtClean="0"/>
+              <a:t>T</a:t>
+            </a:r>
+            <a:r>
+              <a:rPr lang="x-none" b="1" smtClean="0"/>
+              <a:t>racker</a:t>
+            </a:r>
+            <a:endParaRPr lang="en-IN" b="1" dirty="0" smtClean="0"/>
+          </a:p>
+        </p:txBody>
+      </p:sp>
+      <p:sp>
+        <p:nvSpPr>
+          <p:cNvPr id="79" name="TextBox 78"/>
+          <p:cNvSpPr txBox="1"/>
+          <p:nvPr/>
+        </p:nvSpPr>
+        <p:spPr>
+          <a:xfrm>
+            <a:off x="1907704" y="764704"/>
+            <a:ext cx="1443793" cy="646331"/>
+          </a:xfrm>
+          <a:prstGeom prst="rect">
+            <a:avLst/>
+          </a:prstGeom>
+          <a:noFill/>
+        </p:spPr>
+        <p:txBody>
+          <a:bodyPr wrap="none" rtlCol="0">
+            <a:spAutoFit/>
+          </a:bodyPr>
+          <a:lstStyle/>
+          <a:p>
+            <a:pPr algn="ctr"/>
+            <a:r>
+              <a:rPr lang="en-US" dirty="0" smtClean="0"/>
+              <a:t>User</a:t>
+            </a:r>
+          </a:p>
+          <a:p>
+            <a:pPr algn="ctr"/>
+            <a:r>
+              <a:rPr lang="en-US" dirty="0" smtClean="0"/>
+              <a:t>Management</a:t>
+            </a:r>
+            <a:endParaRPr lang="en-IN" dirty="0"/>
+          </a:p>
+        </p:txBody>
+      </p:sp>
+      <p:sp>
+        <p:nvSpPr>
+          <p:cNvPr id="45" name="Oval 44"/>
+          <p:cNvSpPr/>
+          <p:nvPr/>
+        </p:nvSpPr>
+        <p:spPr>
+          <a:xfrm>
+            <a:off x="395536" y="4869160"/>
+            <a:ext cx="1728192" cy="1152128"/>
+          </a:xfrm>
+          <a:prstGeom prst="ellipse">
+            <a:avLst/>
+          </a:prstGeom>
+          <a:noFill/>
+          <a:ln>
+            <a:solidFill>
+              <a:schemeClr val="tx1"/>
+            </a:solidFill>
+          </a:ln>
+        </p:spPr>
+        <p:style>
+          <a:lnRef idx="2">
+            <a:schemeClr val="accent1">
+              <a:shade val="50000"/>
+            </a:schemeClr>
+          </a:lnRef>
+          <a:fillRef idx="1">
+            <a:schemeClr val="accent1"/>
+          </a:fillRef>
+          <a:effectRef idx="0">
+            <a:schemeClr val="accent1"/>
+          </a:effectRef>
+          <a:fontRef idx="minor">
+            <a:schemeClr val="lt1"/>
+          </a:fontRef>
+        </p:style>
+        <p:txBody>
+          <a:bodyPr rtlCol="0" anchor="ctr"/>
+          <a:lstStyle/>
+          <a:p>
+            <a:pPr algn="ctr"/>
+            <a:endParaRPr lang="en-IN"/>
+          </a:p>
+        </p:txBody>
+      </p:sp>
+      <p:sp>
+        <p:nvSpPr>
+          <p:cNvPr id="46" name="Oval 45"/>
+          <p:cNvSpPr/>
+          <p:nvPr/>
+        </p:nvSpPr>
+        <p:spPr>
+          <a:xfrm>
+            <a:off x="3707904" y="4869160"/>
+            <a:ext cx="1728192" cy="1152128"/>
+          </a:xfrm>
+          <a:prstGeom prst="ellipse">
+            <a:avLst/>
+          </a:prstGeom>
+          <a:noFill/>
+          <a:ln>
+            <a:solidFill>
+              <a:schemeClr val="tx1"/>
+            </a:solidFill>
+          </a:ln>
+        </p:spPr>
+        <p:style>
+          <a:lnRef idx="2">
+            <a:schemeClr val="accent1">
+              <a:shade val="50000"/>
+            </a:schemeClr>
+          </a:lnRef>
+          <a:fillRef idx="1">
+            <a:schemeClr val="accent1"/>
+          </a:fillRef>
+          <a:effectRef idx="0">
+            <a:schemeClr val="accent1"/>
+          </a:effectRef>
+          <a:fontRef idx="minor">
+            <a:schemeClr val="lt1"/>
+          </a:fontRef>
+        </p:style>
+        <p:txBody>
+          <a:bodyPr rtlCol="0" anchor="ctr"/>
+          <a:lstStyle/>
+          <a:p>
+            <a:pPr algn="ctr"/>
+            <a:endParaRPr lang="en-IN"/>
+          </a:p>
+        </p:txBody>
+      </p:sp>
+      <p:grpSp>
+        <p:nvGrpSpPr>
+          <p:cNvPr id="3" name="Group 134"/>
+          <p:cNvGrpSpPr/>
+          <p:nvPr/>
+        </p:nvGrpSpPr>
+        <p:grpSpPr>
+          <a:xfrm>
+            <a:off x="539552" y="2348880"/>
+            <a:ext cx="1728192" cy="1152128"/>
+            <a:chOff x="539552" y="1412776"/>
+            <a:chExt cx="1728192" cy="1152128"/>
+          </a:xfrm>
+        </p:grpSpPr>
+        <p:sp>
+          <p:nvSpPr>
+            <p:cNvPr id="77" name="TextBox 76"/>
+            <p:cNvSpPr txBox="1"/>
+            <p:nvPr/>
+          </p:nvSpPr>
+          <p:spPr>
+            <a:xfrm>
+              <a:off x="827584" y="1628800"/>
+              <a:ext cx="1126206" cy="646331"/>
+            </a:xfrm>
+            <a:prstGeom prst="rect">
+              <a:avLst/>
+            </a:prstGeom>
+            <a:noFill/>
+          </p:spPr>
+          <p:txBody>
+            <a:bodyPr wrap="none" rtlCol="0">
+              <a:spAutoFit/>
+            </a:bodyPr>
+            <a:lstStyle/>
+            <a:p>
+              <a:pPr algn="ctr"/>
+              <a:r>
+                <a:rPr lang="en-US" dirty="0" smtClean="0"/>
+                <a:t>Progress</a:t>
+              </a:r>
+            </a:p>
+            <a:p>
+              <a:pPr algn="ctr"/>
+              <a:r>
+                <a:rPr lang="en-IN" dirty="0" smtClean="0"/>
+                <a:t>Controller</a:t>
+              </a:r>
+              <a:endParaRPr lang="en-IN" dirty="0"/>
+            </a:p>
+          </p:txBody>
+        </p:sp>
+        <p:sp>
+          <p:nvSpPr>
+            <p:cNvPr id="47" name="Oval 46"/>
+            <p:cNvSpPr/>
+            <p:nvPr/>
+          </p:nvSpPr>
+          <p:spPr>
+            <a:xfrm>
+              <a:off x="539552" y="1412776"/>
+              <a:ext cx="1728192" cy="1152128"/>
+            </a:xfrm>
+            <a:prstGeom prst="ellipse">
+              <a:avLst/>
+            </a:prstGeom>
+            <a:noFill/>
+            <a:ln>
+              <a:solidFill>
+                <a:schemeClr val="tx1"/>
+              </a:solidFill>
+            </a:ln>
+          </p:spPr>
+          <p:style>
+            <a:lnRef idx="2">
+              <a:schemeClr val="accent1">
+                <a:shade val="50000"/>
+              </a:schemeClr>
+            </a:lnRef>
+            <a:fillRef idx="1">
+              <a:schemeClr val="accent1"/>
+            </a:fillRef>
+            <a:effectRef idx="0">
+              <a:schemeClr val="accent1"/>
+            </a:effectRef>
+            <a:fontRef idx="minor">
+              <a:schemeClr val="lt1"/>
+            </a:fontRef>
+          </p:style>
+          <p:txBody>
+            <a:bodyPr rtlCol="0" anchor="ctr"/>
+            <a:lstStyle/>
+            <a:p>
+              <a:pPr algn="ctr"/>
+              <a:endParaRPr lang="en-IN" dirty="0"/>
+            </a:p>
+          </p:txBody>
+        </p:sp>
+      </p:grpSp>
+      <p:grpSp>
+        <p:nvGrpSpPr>
+          <p:cNvPr id="4" name="Group 133"/>
+          <p:cNvGrpSpPr/>
+          <p:nvPr/>
+        </p:nvGrpSpPr>
+        <p:grpSpPr>
+          <a:xfrm>
+            <a:off x="6804248" y="4221088"/>
+            <a:ext cx="1728192" cy="1152128"/>
+            <a:chOff x="6804248" y="4221088"/>
+            <a:chExt cx="1728192" cy="1152128"/>
+          </a:xfrm>
+        </p:grpSpPr>
+        <p:sp>
+          <p:nvSpPr>
+            <p:cNvPr id="75" name="TextBox 74"/>
+            <p:cNvSpPr txBox="1"/>
+            <p:nvPr/>
+          </p:nvSpPr>
+          <p:spPr>
+            <a:xfrm>
+              <a:off x="7164288" y="4365104"/>
+              <a:ext cx="1126206" cy="646331"/>
+            </a:xfrm>
+            <a:prstGeom prst="rect">
+              <a:avLst/>
+            </a:prstGeom>
+            <a:noFill/>
+          </p:spPr>
+          <p:txBody>
+            <a:bodyPr wrap="none" rtlCol="0">
+              <a:spAutoFit/>
+            </a:bodyPr>
+            <a:lstStyle/>
+            <a:p>
+              <a:pPr algn="ctr"/>
+              <a:r>
+                <a:rPr lang="en-IN" dirty="0" smtClean="0"/>
+                <a:t>Exercise </a:t>
+              </a:r>
+              <a:endParaRPr lang="en-IN" dirty="0" smtClean="0"/>
+            </a:p>
+            <a:p>
+              <a:pPr algn="ctr"/>
+              <a:r>
+                <a:rPr lang="en-IN" dirty="0" smtClean="0"/>
+                <a:t>Controller</a:t>
+              </a:r>
+              <a:endParaRPr lang="en-IN" dirty="0"/>
+            </a:p>
+          </p:txBody>
+        </p:sp>
+        <p:sp>
+          <p:nvSpPr>
+            <p:cNvPr id="48" name="Oval 47"/>
+            <p:cNvSpPr/>
+            <p:nvPr/>
+          </p:nvSpPr>
+          <p:spPr>
+            <a:xfrm>
+              <a:off x="6804248" y="4221088"/>
+              <a:ext cx="1728192" cy="1152128"/>
+            </a:xfrm>
+            <a:prstGeom prst="ellipse">
+              <a:avLst/>
+            </a:prstGeom>
+            <a:noFill/>
+            <a:ln>
+              <a:solidFill>
+                <a:schemeClr val="tx1"/>
+              </a:solidFill>
+            </a:ln>
+          </p:spPr>
+          <p:style>
+            <a:lnRef idx="2">
+              <a:schemeClr val="accent1">
+                <a:shade val="50000"/>
+              </a:schemeClr>
+            </a:lnRef>
+            <a:fillRef idx="1">
+              <a:schemeClr val="accent1"/>
+            </a:fillRef>
+            <a:effectRef idx="0">
+              <a:schemeClr val="accent1"/>
+            </a:effectRef>
+            <a:fontRef idx="minor">
+              <a:schemeClr val="lt1"/>
+            </a:fontRef>
+          </p:style>
+          <p:txBody>
+            <a:bodyPr rtlCol="0" anchor="ctr"/>
+            <a:lstStyle/>
+            <a:p>
+              <a:pPr algn="ctr"/>
+              <a:endParaRPr lang="en-IN" dirty="0"/>
+            </a:p>
+          </p:txBody>
+        </p:sp>
+      </p:grpSp>
+      <p:grpSp>
+        <p:nvGrpSpPr>
+          <p:cNvPr id="5" name="Group 137"/>
+          <p:cNvGrpSpPr/>
+          <p:nvPr/>
+        </p:nvGrpSpPr>
+        <p:grpSpPr>
+          <a:xfrm>
+            <a:off x="6876256" y="1412776"/>
+            <a:ext cx="1728192" cy="1272337"/>
+            <a:chOff x="6804248" y="980728"/>
+            <a:chExt cx="1728192" cy="1272337"/>
+          </a:xfrm>
+        </p:grpSpPr>
+        <p:sp>
+          <p:nvSpPr>
+            <p:cNvPr id="76" name="TextBox 75"/>
+            <p:cNvSpPr txBox="1"/>
+            <p:nvPr/>
+          </p:nvSpPr>
+          <p:spPr>
+            <a:xfrm>
+              <a:off x="7164288" y="1052736"/>
+              <a:ext cx="1126206" cy="1200329"/>
+            </a:xfrm>
+            <a:prstGeom prst="rect">
+              <a:avLst/>
+            </a:prstGeom>
+            <a:noFill/>
+          </p:spPr>
+          <p:txBody>
+            <a:bodyPr wrap="none" rtlCol="0">
+              <a:spAutoFit/>
+            </a:bodyPr>
+            <a:lstStyle/>
+            <a:p>
+              <a:pPr algn="ctr"/>
+              <a:r>
+                <a:rPr lang="en-US" dirty="0" smtClean="0"/>
+                <a:t>Web </a:t>
+              </a:r>
+            </a:p>
+            <a:p>
+              <a:pPr algn="ctr"/>
+              <a:r>
+                <a:rPr lang="en-US" dirty="0" smtClean="0"/>
+                <a:t>Client</a:t>
+              </a:r>
+            </a:p>
+            <a:p>
+              <a:pPr algn="ctr"/>
+              <a:r>
+                <a:rPr lang="en-IN" dirty="0" smtClean="0"/>
+                <a:t>Controller</a:t>
+              </a:r>
+            </a:p>
+            <a:p>
+              <a:endParaRPr lang="en-IN" dirty="0"/>
+            </a:p>
+          </p:txBody>
+        </p:sp>
+        <p:sp>
+          <p:nvSpPr>
+            <p:cNvPr id="49" name="Oval 48"/>
+            <p:cNvSpPr/>
+            <p:nvPr/>
+          </p:nvSpPr>
+          <p:spPr>
+            <a:xfrm>
+              <a:off x="6804248" y="980728"/>
+              <a:ext cx="1728192" cy="1152128"/>
+            </a:xfrm>
+            <a:prstGeom prst="ellipse">
+              <a:avLst/>
+            </a:prstGeom>
+            <a:noFill/>
+            <a:ln>
+              <a:solidFill>
+                <a:schemeClr val="tx1"/>
+              </a:solidFill>
+            </a:ln>
+          </p:spPr>
+          <p:style>
+            <a:lnRef idx="2">
+              <a:schemeClr val="accent1">
+                <a:shade val="50000"/>
+              </a:schemeClr>
+            </a:lnRef>
+            <a:fillRef idx="1">
+              <a:schemeClr val="accent1"/>
+            </a:fillRef>
+            <a:effectRef idx="0">
+              <a:schemeClr val="accent1"/>
+            </a:effectRef>
+            <a:fontRef idx="minor">
+              <a:schemeClr val="lt1"/>
+            </a:fontRef>
+          </p:style>
+          <p:txBody>
+            <a:bodyPr rtlCol="0" anchor="ctr"/>
+            <a:lstStyle/>
+            <a:p>
+              <a:pPr algn="ctr"/>
+              <a:endParaRPr lang="en-IN" dirty="0"/>
+            </a:p>
+          </p:txBody>
+        </p:sp>
+      </p:grpSp>
+      <p:grpSp>
+        <p:nvGrpSpPr>
+          <p:cNvPr id="6" name="Group 136"/>
+          <p:cNvGrpSpPr/>
+          <p:nvPr/>
+        </p:nvGrpSpPr>
+        <p:grpSpPr>
+          <a:xfrm>
+            <a:off x="4211960" y="692696"/>
+            <a:ext cx="1728192" cy="1152128"/>
+            <a:chOff x="3851920" y="116632"/>
+            <a:chExt cx="1728192" cy="1152128"/>
+          </a:xfrm>
+        </p:grpSpPr>
+        <p:sp>
+          <p:nvSpPr>
+            <p:cNvPr id="80" name="TextBox 79"/>
+            <p:cNvSpPr txBox="1"/>
+            <p:nvPr/>
+          </p:nvSpPr>
+          <p:spPr>
+            <a:xfrm>
+              <a:off x="3881449" y="188640"/>
+              <a:ext cx="1672766" cy="923330"/>
+            </a:xfrm>
+            <a:prstGeom prst="rect">
+              <a:avLst/>
+            </a:prstGeom>
+            <a:noFill/>
+          </p:spPr>
+          <p:txBody>
+            <a:bodyPr wrap="none" rtlCol="0">
+              <a:spAutoFit/>
+            </a:bodyPr>
+            <a:lstStyle/>
+            <a:p>
+              <a:pPr algn="ctr"/>
+              <a:r>
+                <a:rPr lang="en-US" dirty="0" smtClean="0"/>
+                <a:t>Diet </a:t>
+              </a:r>
+              <a:endParaRPr lang="en-US" dirty="0" smtClean="0"/>
+            </a:p>
+            <a:p>
+              <a:pPr algn="ctr"/>
+              <a:r>
+                <a:rPr lang="en-US" dirty="0" smtClean="0"/>
+                <a:t>Management</a:t>
+              </a:r>
+              <a:endParaRPr lang="en-US" dirty="0" smtClean="0"/>
+            </a:p>
+            <a:p>
+              <a:r>
+                <a:rPr lang="en-US" dirty="0" smtClean="0"/>
+                <a:t> </a:t>
+              </a:r>
+              <a:endParaRPr lang="en-IN" dirty="0"/>
+            </a:p>
+          </p:txBody>
+        </p:sp>
+        <p:sp>
+          <p:nvSpPr>
+            <p:cNvPr id="44" name="Oval 43"/>
+            <p:cNvSpPr/>
+            <p:nvPr/>
+          </p:nvSpPr>
+          <p:spPr>
+            <a:xfrm>
+              <a:off x="3851920" y="116632"/>
+              <a:ext cx="1728192" cy="1152128"/>
+            </a:xfrm>
+            <a:prstGeom prst="ellipse">
+              <a:avLst/>
+            </a:prstGeom>
+            <a:noFill/>
+            <a:ln>
+              <a:solidFill>
+                <a:schemeClr val="tx1"/>
+              </a:solidFill>
+            </a:ln>
+          </p:spPr>
+          <p:style>
+            <a:lnRef idx="2">
+              <a:schemeClr val="accent1">
+                <a:shade val="50000"/>
+              </a:schemeClr>
+            </a:lnRef>
+            <a:fillRef idx="1">
+              <a:schemeClr val="accent1"/>
+            </a:fillRef>
+            <a:effectRef idx="0">
+              <a:schemeClr val="accent1"/>
+            </a:effectRef>
+            <a:fontRef idx="minor">
+              <a:schemeClr val="lt1"/>
+            </a:fontRef>
+          </p:style>
+          <p:txBody>
+            <a:bodyPr rtlCol="0" anchor="ctr"/>
+            <a:lstStyle/>
+            <a:p>
+              <a:pPr algn="ctr"/>
+              <a:endParaRPr lang="en-IN"/>
+            </a:p>
+          </p:txBody>
+        </p:sp>
+      </p:grpSp>
+      <p:sp>
+        <p:nvSpPr>
+          <p:cNvPr id="50" name="Rectangle 49"/>
+          <p:cNvSpPr/>
+          <p:nvPr/>
+        </p:nvSpPr>
+        <p:spPr>
+          <a:xfrm>
+            <a:off x="35496" y="1772816"/>
+            <a:ext cx="1584176" cy="504056"/>
+          </a:xfrm>
+          <a:prstGeom prst="rect">
+            <a:avLst/>
+          </a:prstGeom>
+          <a:noFill/>
+          <a:ln>
+            <a:solidFill>
+              <a:schemeClr val="tx1"/>
+            </a:solidFill>
+          </a:ln>
+        </p:spPr>
+        <p:style>
+          <a:lnRef idx="2">
+            <a:schemeClr val="accent1">
+              <a:shade val="50000"/>
+            </a:schemeClr>
+          </a:lnRef>
+          <a:fillRef idx="1">
+            <a:schemeClr val="accent1"/>
+          </a:fillRef>
+          <a:effectRef idx="0">
+            <a:schemeClr val="accent1"/>
+          </a:effectRef>
+          <a:fontRef idx="minor">
+            <a:schemeClr val="lt1"/>
+          </a:fontRef>
+        </p:style>
+        <p:txBody>
+          <a:bodyPr rtlCol="0" anchor="ctr"/>
+          <a:lstStyle/>
+          <a:p>
+            <a:pPr algn="ctr"/>
+            <a:endParaRPr lang="en-IN"/>
+          </a:p>
+        </p:txBody>
+      </p:sp>
+      <p:grpSp>
+        <p:nvGrpSpPr>
+          <p:cNvPr id="7" name="Group 52"/>
+          <p:cNvGrpSpPr/>
+          <p:nvPr/>
+        </p:nvGrpSpPr>
+        <p:grpSpPr>
+          <a:xfrm>
+            <a:off x="179512" y="1043444"/>
+            <a:ext cx="1584176" cy="5769932"/>
+            <a:chOff x="251520" y="-4501172"/>
+            <a:chExt cx="1584176" cy="5769932"/>
+          </a:xfrm>
+        </p:grpSpPr>
+        <p:sp>
+          <p:nvSpPr>
+            <p:cNvPr id="54" name="Rectangle 53"/>
+            <p:cNvSpPr/>
+            <p:nvPr/>
+          </p:nvSpPr>
+          <p:spPr>
+            <a:xfrm>
+              <a:off x="251520" y="764704"/>
+              <a:ext cx="1584176" cy="504056"/>
+            </a:xfrm>
+            <a:prstGeom prst="rect">
+              <a:avLst/>
+            </a:prstGeom>
+            <a:noFill/>
+            <a:ln>
+              <a:solidFill>
+                <a:schemeClr val="tx1"/>
+              </a:solidFill>
+            </a:ln>
+          </p:spPr>
+          <p:style>
+            <a:lnRef idx="2">
+              <a:schemeClr val="accent1">
+                <a:shade val="50000"/>
+              </a:schemeClr>
+            </a:lnRef>
+            <a:fillRef idx="1">
+              <a:schemeClr val="accent1"/>
+            </a:fillRef>
+            <a:effectRef idx="0">
+              <a:schemeClr val="accent1"/>
+            </a:effectRef>
+            <a:fontRef idx="minor">
+              <a:schemeClr val="lt1"/>
+            </a:fontRef>
+          </p:style>
+          <p:txBody>
+            <a:bodyPr rtlCol="0" anchor="ctr"/>
+            <a:lstStyle/>
+            <a:p>
+              <a:pPr algn="ctr"/>
+              <a:endParaRPr lang="en-IN"/>
+            </a:p>
+          </p:txBody>
+        </p:sp>
+        <p:sp>
+          <p:nvSpPr>
+            <p:cNvPr id="55" name="TextBox 54"/>
+            <p:cNvSpPr txBox="1"/>
+            <p:nvPr/>
+          </p:nvSpPr>
+          <p:spPr>
+            <a:xfrm>
+              <a:off x="611560" y="-4501172"/>
+              <a:ext cx="617478" cy="369332"/>
+            </a:xfrm>
+            <a:prstGeom prst="rect">
+              <a:avLst/>
+            </a:prstGeom>
+            <a:noFill/>
+          </p:spPr>
+          <p:txBody>
+            <a:bodyPr wrap="none" rtlCol="0">
+              <a:spAutoFit/>
+            </a:bodyPr>
+            <a:lstStyle/>
+            <a:p>
+              <a:pPr algn="ctr"/>
+              <a:r>
+                <a:rPr lang="en-US" dirty="0" smtClean="0"/>
+                <a:t>User</a:t>
+              </a:r>
+              <a:endParaRPr lang="en-IN" dirty="0"/>
+            </a:p>
+          </p:txBody>
+        </p:sp>
+      </p:grpSp>
+      <p:grpSp>
+        <p:nvGrpSpPr>
+          <p:cNvPr id="8" name="Group 55"/>
+          <p:cNvGrpSpPr/>
+          <p:nvPr/>
+        </p:nvGrpSpPr>
+        <p:grpSpPr>
+          <a:xfrm>
+            <a:off x="2123728" y="6309320"/>
+            <a:ext cx="1584176" cy="504056"/>
+            <a:chOff x="251520" y="764704"/>
+            <a:chExt cx="1584176" cy="504056"/>
+          </a:xfrm>
+        </p:grpSpPr>
+        <p:sp>
+          <p:nvSpPr>
+            <p:cNvPr id="57" name="Rectangle 56"/>
+            <p:cNvSpPr/>
+            <p:nvPr/>
+          </p:nvSpPr>
+          <p:spPr>
+            <a:xfrm>
+              <a:off x="251520" y="764704"/>
+              <a:ext cx="1584176" cy="504056"/>
+            </a:xfrm>
+            <a:prstGeom prst="rect">
+              <a:avLst/>
+            </a:prstGeom>
+            <a:noFill/>
+            <a:ln>
+              <a:solidFill>
+                <a:schemeClr val="tx1"/>
+              </a:solidFill>
+            </a:ln>
+          </p:spPr>
+          <p:style>
+            <a:lnRef idx="2">
+              <a:schemeClr val="accent1">
+                <a:shade val="50000"/>
+              </a:schemeClr>
+            </a:lnRef>
+            <a:fillRef idx="1">
+              <a:schemeClr val="accent1"/>
+            </a:fillRef>
+            <a:effectRef idx="0">
+              <a:schemeClr val="accent1"/>
+            </a:effectRef>
+            <a:fontRef idx="minor">
+              <a:schemeClr val="lt1"/>
+            </a:fontRef>
+          </p:style>
+          <p:txBody>
+            <a:bodyPr rtlCol="0" anchor="ctr"/>
+            <a:lstStyle/>
+            <a:p>
+              <a:pPr algn="ctr"/>
+              <a:endParaRPr lang="en-IN"/>
+            </a:p>
+          </p:txBody>
+        </p:sp>
+        <p:sp>
+          <p:nvSpPr>
+            <p:cNvPr id="58" name="TextBox 57"/>
+            <p:cNvSpPr txBox="1"/>
+            <p:nvPr/>
+          </p:nvSpPr>
+          <p:spPr>
+            <a:xfrm>
+              <a:off x="699176" y="836712"/>
+              <a:ext cx="652806" cy="369332"/>
+            </a:xfrm>
+            <a:prstGeom prst="rect">
+              <a:avLst/>
+            </a:prstGeom>
+            <a:noFill/>
+          </p:spPr>
+          <p:txBody>
+            <a:bodyPr wrap="none" rtlCol="0">
+              <a:spAutoFit/>
+            </a:bodyPr>
+            <a:lstStyle/>
+            <a:p>
+              <a:pPr algn="ctr"/>
+              <a:r>
+                <a:rPr lang="en-US" dirty="0" smtClean="0"/>
+                <a:t>Food</a:t>
+              </a:r>
+              <a:endParaRPr lang="en-IN" dirty="0"/>
+            </a:p>
+          </p:txBody>
+        </p:sp>
+      </p:grpSp>
+      <p:grpSp>
+        <p:nvGrpSpPr>
+          <p:cNvPr id="9" name="Group 58"/>
+          <p:cNvGrpSpPr/>
+          <p:nvPr/>
+        </p:nvGrpSpPr>
+        <p:grpSpPr>
+          <a:xfrm>
+            <a:off x="7380312" y="5661248"/>
+            <a:ext cx="1584176" cy="504056"/>
+            <a:chOff x="251520" y="764704"/>
+            <a:chExt cx="1584176" cy="504056"/>
+          </a:xfrm>
+        </p:grpSpPr>
+        <p:sp>
+          <p:nvSpPr>
+            <p:cNvPr id="60" name="Rectangle 59"/>
+            <p:cNvSpPr/>
+            <p:nvPr/>
+          </p:nvSpPr>
+          <p:spPr>
+            <a:xfrm>
+              <a:off x="251520" y="764704"/>
+              <a:ext cx="1584176" cy="504056"/>
+            </a:xfrm>
+            <a:prstGeom prst="rect">
+              <a:avLst/>
+            </a:prstGeom>
+            <a:noFill/>
+            <a:ln>
+              <a:solidFill>
+                <a:schemeClr val="tx1"/>
+              </a:solidFill>
+            </a:ln>
+          </p:spPr>
+          <p:style>
+            <a:lnRef idx="2">
+              <a:schemeClr val="accent1">
+                <a:shade val="50000"/>
+              </a:schemeClr>
+            </a:lnRef>
+            <a:fillRef idx="1">
+              <a:schemeClr val="accent1"/>
+            </a:fillRef>
+            <a:effectRef idx="0">
+              <a:schemeClr val="accent1"/>
+            </a:effectRef>
+            <a:fontRef idx="minor">
+              <a:schemeClr val="lt1"/>
+            </a:fontRef>
+          </p:style>
+          <p:txBody>
+            <a:bodyPr rtlCol="0" anchor="ctr"/>
+            <a:lstStyle/>
+            <a:p>
+              <a:pPr algn="ctr"/>
+              <a:endParaRPr lang="en-IN"/>
+            </a:p>
+          </p:txBody>
+        </p:sp>
+        <p:sp>
+          <p:nvSpPr>
+            <p:cNvPr id="61" name="TextBox 60"/>
+            <p:cNvSpPr txBox="1"/>
+            <p:nvPr/>
+          </p:nvSpPr>
+          <p:spPr>
+            <a:xfrm>
+              <a:off x="556475" y="836712"/>
+              <a:ext cx="938206" cy="369332"/>
+            </a:xfrm>
+            <a:prstGeom prst="rect">
+              <a:avLst/>
+            </a:prstGeom>
+            <a:noFill/>
+          </p:spPr>
+          <p:txBody>
+            <a:bodyPr wrap="none" rtlCol="0">
+              <a:spAutoFit/>
+            </a:bodyPr>
+            <a:lstStyle/>
+            <a:p>
+              <a:pPr algn="ctr"/>
+              <a:r>
+                <a:rPr lang="en-IN" dirty="0" smtClean="0"/>
+                <a:t>Exercise</a:t>
+              </a:r>
+              <a:endParaRPr lang="en-IN" dirty="0"/>
+            </a:p>
+          </p:txBody>
+        </p:sp>
+      </p:grpSp>
+      <p:grpSp>
+        <p:nvGrpSpPr>
+          <p:cNvPr id="10" name="Group 61"/>
+          <p:cNvGrpSpPr/>
+          <p:nvPr/>
+        </p:nvGrpSpPr>
+        <p:grpSpPr>
+          <a:xfrm>
+            <a:off x="7380312" y="2708920"/>
+            <a:ext cx="1584176" cy="504056"/>
+            <a:chOff x="251520" y="764704"/>
+            <a:chExt cx="1584176" cy="504056"/>
+          </a:xfrm>
+        </p:grpSpPr>
+        <p:sp>
+          <p:nvSpPr>
+            <p:cNvPr id="63" name="Rectangle 62"/>
+            <p:cNvSpPr/>
+            <p:nvPr/>
+          </p:nvSpPr>
+          <p:spPr>
+            <a:xfrm>
+              <a:off x="251520" y="764704"/>
+              <a:ext cx="1584176" cy="504056"/>
+            </a:xfrm>
+            <a:prstGeom prst="rect">
+              <a:avLst/>
+            </a:prstGeom>
+            <a:noFill/>
+            <a:ln>
+              <a:solidFill>
+                <a:schemeClr val="tx1"/>
+              </a:solidFill>
+            </a:ln>
+          </p:spPr>
+          <p:style>
+            <a:lnRef idx="2">
+              <a:schemeClr val="accent1">
+                <a:shade val="50000"/>
+              </a:schemeClr>
+            </a:lnRef>
+            <a:fillRef idx="1">
+              <a:schemeClr val="accent1"/>
+            </a:fillRef>
+            <a:effectRef idx="0">
+              <a:schemeClr val="accent1"/>
+            </a:effectRef>
+            <a:fontRef idx="minor">
+              <a:schemeClr val="lt1"/>
+            </a:fontRef>
+          </p:style>
+          <p:txBody>
+            <a:bodyPr rtlCol="0" anchor="ctr"/>
+            <a:lstStyle/>
+            <a:p>
+              <a:pPr algn="ctr"/>
+              <a:endParaRPr lang="en-IN"/>
+            </a:p>
+          </p:txBody>
+        </p:sp>
+        <p:sp>
+          <p:nvSpPr>
+            <p:cNvPr id="64" name="TextBox 63"/>
+            <p:cNvSpPr txBox="1"/>
+            <p:nvPr/>
+          </p:nvSpPr>
+          <p:spPr>
+            <a:xfrm>
+              <a:off x="419162" y="836712"/>
+              <a:ext cx="1212833" cy="369332"/>
+            </a:xfrm>
+            <a:prstGeom prst="rect">
+              <a:avLst/>
+            </a:prstGeom>
+            <a:noFill/>
+          </p:spPr>
+          <p:txBody>
+            <a:bodyPr wrap="none" rtlCol="0">
+              <a:spAutoFit/>
+            </a:bodyPr>
+            <a:lstStyle/>
+            <a:p>
+              <a:pPr algn="ctr"/>
+              <a:r>
+                <a:rPr lang="en-US" dirty="0" smtClean="0"/>
+                <a:t>Web Client</a:t>
+              </a:r>
+              <a:endParaRPr lang="en-IN" dirty="0"/>
+            </a:p>
+          </p:txBody>
+        </p:sp>
+      </p:grpSp>
+      <p:grpSp>
+        <p:nvGrpSpPr>
+          <p:cNvPr id="11" name="Group 64"/>
+          <p:cNvGrpSpPr/>
+          <p:nvPr/>
+        </p:nvGrpSpPr>
+        <p:grpSpPr>
+          <a:xfrm>
+            <a:off x="3203848" y="0"/>
+            <a:ext cx="1584176" cy="504056"/>
+            <a:chOff x="251520" y="764704"/>
+            <a:chExt cx="1584176" cy="504056"/>
+          </a:xfrm>
+        </p:grpSpPr>
+        <p:sp>
+          <p:nvSpPr>
+            <p:cNvPr id="66" name="Rectangle 65"/>
+            <p:cNvSpPr/>
+            <p:nvPr/>
+          </p:nvSpPr>
+          <p:spPr>
+            <a:xfrm>
+              <a:off x="251520" y="764704"/>
+              <a:ext cx="1584176" cy="504056"/>
+            </a:xfrm>
+            <a:prstGeom prst="rect">
+              <a:avLst/>
+            </a:prstGeom>
+            <a:noFill/>
+            <a:ln>
+              <a:solidFill>
+                <a:schemeClr val="tx1"/>
+              </a:solidFill>
+            </a:ln>
+          </p:spPr>
+          <p:style>
+            <a:lnRef idx="2">
+              <a:schemeClr val="accent1">
+                <a:shade val="50000"/>
+              </a:schemeClr>
+            </a:lnRef>
+            <a:fillRef idx="1">
+              <a:schemeClr val="accent1"/>
+            </a:fillRef>
+            <a:effectRef idx="0">
+              <a:schemeClr val="accent1"/>
+            </a:effectRef>
+            <a:fontRef idx="minor">
+              <a:schemeClr val="lt1"/>
+            </a:fontRef>
+          </p:style>
+          <p:txBody>
+            <a:bodyPr rtlCol="0" anchor="ctr"/>
+            <a:lstStyle/>
+            <a:p>
+              <a:pPr algn="ctr"/>
+              <a:endParaRPr lang="en-IN"/>
+            </a:p>
+          </p:txBody>
+        </p:sp>
+        <p:sp>
+          <p:nvSpPr>
+            <p:cNvPr id="69" name="TextBox 68"/>
+            <p:cNvSpPr txBox="1"/>
+            <p:nvPr/>
+          </p:nvSpPr>
+          <p:spPr>
+            <a:xfrm>
+              <a:off x="739891" y="836712"/>
+              <a:ext cx="571374" cy="369332"/>
+            </a:xfrm>
+            <a:prstGeom prst="rect">
+              <a:avLst/>
+            </a:prstGeom>
+            <a:noFill/>
+          </p:spPr>
+          <p:txBody>
+            <a:bodyPr wrap="none" rtlCol="0">
+              <a:spAutoFit/>
+            </a:bodyPr>
+            <a:lstStyle/>
+            <a:p>
+              <a:pPr algn="ctr"/>
+              <a:r>
+                <a:rPr lang="en-US" dirty="0" smtClean="0"/>
+                <a:t>Diet</a:t>
+              </a:r>
+              <a:endParaRPr lang="en-IN" dirty="0"/>
+            </a:p>
+          </p:txBody>
+        </p:sp>
+      </p:grpSp>
+      <p:grpSp>
+        <p:nvGrpSpPr>
+          <p:cNvPr id="12" name="Group 89"/>
+          <p:cNvGrpSpPr/>
+          <p:nvPr/>
+        </p:nvGrpSpPr>
+        <p:grpSpPr>
+          <a:xfrm>
+            <a:off x="5724128" y="44624"/>
+            <a:ext cx="2304256" cy="504056"/>
+            <a:chOff x="6228184" y="188640"/>
+            <a:chExt cx="2304256" cy="504056"/>
+          </a:xfrm>
+        </p:grpSpPr>
+        <p:sp>
+          <p:nvSpPr>
+            <p:cNvPr id="70" name="Rectangle 69"/>
+            <p:cNvSpPr/>
+            <p:nvPr/>
+          </p:nvSpPr>
+          <p:spPr>
+            <a:xfrm>
+              <a:off x="6228184" y="188640"/>
+              <a:ext cx="2304256" cy="504056"/>
+            </a:xfrm>
+            <a:prstGeom prst="rect">
+              <a:avLst/>
+            </a:prstGeom>
+            <a:noFill/>
+            <a:ln>
+              <a:solidFill>
+                <a:schemeClr val="tx1"/>
+              </a:solidFill>
+            </a:ln>
+          </p:spPr>
+          <p:style>
+            <a:lnRef idx="2">
+              <a:schemeClr val="accent1">
+                <a:shade val="50000"/>
+              </a:schemeClr>
+            </a:lnRef>
+            <a:fillRef idx="1">
+              <a:schemeClr val="accent1"/>
+            </a:fillRef>
+            <a:effectRef idx="0">
+              <a:schemeClr val="accent1"/>
+            </a:effectRef>
+            <a:fontRef idx="minor">
+              <a:schemeClr val="lt1"/>
+            </a:fontRef>
+          </p:style>
+          <p:txBody>
+            <a:bodyPr rtlCol="0" anchor="ctr"/>
+            <a:lstStyle/>
+            <a:p>
+              <a:pPr algn="ctr"/>
+              <a:endParaRPr lang="en-IN"/>
+            </a:p>
+          </p:txBody>
+        </p:sp>
+        <p:cxnSp>
+          <p:nvCxnSpPr>
+            <p:cNvPr id="72" name="Straight Connector 71"/>
+            <p:cNvCxnSpPr/>
+            <p:nvPr/>
+          </p:nvCxnSpPr>
+          <p:spPr>
+            <a:xfrm>
+              <a:off x="7956376" y="188640"/>
+              <a:ext cx="0" cy="504056"/>
+            </a:xfrm>
+            <a:prstGeom prst="line">
+              <a:avLst/>
+            </a:prstGeom>
+            <a:ln>
+              <a:solidFill>
+                <a:schemeClr val="tx1"/>
+              </a:solidFill>
+            </a:ln>
+          </p:spPr>
+          <p:style>
+            <a:lnRef idx="1">
+              <a:schemeClr val="accent1"/>
+            </a:lnRef>
+            <a:fillRef idx="0">
+              <a:schemeClr val="accent1"/>
+            </a:fillRef>
+            <a:effectRef idx="0">
+              <a:schemeClr val="accent1"/>
+            </a:effectRef>
+            <a:fontRef idx="minor">
+              <a:schemeClr val="tx1"/>
+            </a:fontRef>
+          </p:style>
+        </p:cxnSp>
+        <p:sp>
+          <p:nvSpPr>
+            <p:cNvPr id="88" name="TextBox 87"/>
+            <p:cNvSpPr txBox="1"/>
+            <p:nvPr/>
+          </p:nvSpPr>
+          <p:spPr>
+            <a:xfrm>
+              <a:off x="6372200" y="251356"/>
+              <a:ext cx="1240596" cy="369332"/>
+            </a:xfrm>
+            <a:prstGeom prst="rect">
+              <a:avLst/>
+            </a:prstGeom>
+            <a:noFill/>
+          </p:spPr>
+          <p:txBody>
+            <a:bodyPr wrap="none" rtlCol="0">
+              <a:spAutoFit/>
+            </a:bodyPr>
+            <a:lstStyle/>
+            <a:p>
+              <a:r>
+                <a:rPr lang="en-US" dirty="0" smtClean="0"/>
+                <a:t>Diet </a:t>
+              </a:r>
+              <a:r>
+                <a:rPr lang="en-US" dirty="0" smtClean="0"/>
+                <a:t>details</a:t>
+              </a:r>
+              <a:endParaRPr lang="en-IN" dirty="0"/>
+            </a:p>
+          </p:txBody>
+        </p:sp>
+        <p:sp>
+          <p:nvSpPr>
+            <p:cNvPr id="89" name="TextBox 88"/>
+            <p:cNvSpPr txBox="1"/>
+            <p:nvPr/>
+          </p:nvSpPr>
+          <p:spPr>
+            <a:xfrm>
+              <a:off x="8028384" y="260648"/>
+              <a:ext cx="444352" cy="369332"/>
+            </a:xfrm>
+            <a:prstGeom prst="rect">
+              <a:avLst/>
+            </a:prstGeom>
+            <a:noFill/>
+          </p:spPr>
+          <p:txBody>
+            <a:bodyPr wrap="none" rtlCol="0">
+              <a:spAutoFit/>
+            </a:bodyPr>
+            <a:lstStyle/>
+            <a:p>
+              <a:r>
+                <a:rPr lang="en-US" dirty="0" smtClean="0"/>
+                <a:t>D2</a:t>
+              </a:r>
+              <a:endParaRPr lang="en-IN" dirty="0"/>
+            </a:p>
+          </p:txBody>
+        </p:sp>
+      </p:grpSp>
+      <p:sp>
+        <p:nvSpPr>
+          <p:cNvPr id="100" name="Rectangle 99"/>
+          <p:cNvSpPr/>
+          <p:nvPr/>
+        </p:nvSpPr>
+        <p:spPr>
+          <a:xfrm>
+            <a:off x="6732240" y="764704"/>
+            <a:ext cx="2304256" cy="504056"/>
+          </a:xfrm>
+          <a:prstGeom prst="rect">
+            <a:avLst/>
+          </a:prstGeom>
+          <a:noFill/>
+          <a:ln>
+            <a:solidFill>
+              <a:schemeClr val="tx1"/>
+            </a:solidFill>
+          </a:ln>
+        </p:spPr>
+        <p:style>
+          <a:lnRef idx="2">
+            <a:schemeClr val="accent1">
+              <a:shade val="50000"/>
+            </a:schemeClr>
+          </a:lnRef>
+          <a:fillRef idx="1">
+            <a:schemeClr val="accent1"/>
+          </a:fillRef>
+          <a:effectRef idx="0">
+            <a:schemeClr val="accent1"/>
+          </a:effectRef>
+          <a:fontRef idx="minor">
+            <a:schemeClr val="lt1"/>
+          </a:fontRef>
+        </p:style>
+        <p:txBody>
+          <a:bodyPr rtlCol="0" anchor="ctr"/>
+          <a:lstStyle/>
+          <a:p>
+            <a:pPr algn="ctr"/>
+            <a:endParaRPr lang="en-IN"/>
+          </a:p>
+        </p:txBody>
+      </p:sp>
+      <p:cxnSp>
+        <p:nvCxnSpPr>
+          <p:cNvPr id="101" name="Straight Connector 100"/>
+          <p:cNvCxnSpPr/>
+          <p:nvPr/>
+        </p:nvCxnSpPr>
+        <p:spPr>
+          <a:xfrm>
+            <a:off x="8532440" y="764704"/>
+            <a:ext cx="0" cy="504056"/>
+          </a:xfrm>
+          <a:prstGeom prst="line">
+            <a:avLst/>
+          </a:prstGeom>
+          <a:ln>
+            <a:solidFill>
+              <a:schemeClr val="tx1"/>
+            </a:solidFill>
+          </a:ln>
+        </p:spPr>
+        <p:style>
+          <a:lnRef idx="1">
+            <a:schemeClr val="accent1"/>
+          </a:lnRef>
+          <a:fillRef idx="0">
+            <a:schemeClr val="accent1"/>
+          </a:fillRef>
+          <a:effectRef idx="0">
+            <a:schemeClr val="accent1"/>
+          </a:effectRef>
+          <a:fontRef idx="minor">
+            <a:schemeClr val="tx1"/>
+          </a:fontRef>
+        </p:style>
+      </p:cxnSp>
+      <p:sp>
+        <p:nvSpPr>
+          <p:cNvPr id="103" name="TextBox 102"/>
+          <p:cNvSpPr txBox="1"/>
+          <p:nvPr/>
+        </p:nvSpPr>
+        <p:spPr>
+          <a:xfrm>
+            <a:off x="6660232" y="836712"/>
+            <a:ext cx="2088232" cy="369332"/>
+          </a:xfrm>
+          <a:prstGeom prst="rect">
+            <a:avLst/>
+          </a:prstGeom>
+          <a:noFill/>
+        </p:spPr>
+        <p:txBody>
+          <a:bodyPr wrap="square" rtlCol="0">
+            <a:spAutoFit/>
+          </a:bodyPr>
+          <a:lstStyle/>
+          <a:p>
+            <a:r>
+              <a:rPr lang="en-US" dirty="0" smtClean="0"/>
+              <a:t> Web client details</a:t>
+            </a:r>
+            <a:endParaRPr lang="en-IN" dirty="0"/>
+          </a:p>
+        </p:txBody>
+      </p:sp>
+      <p:sp>
+        <p:nvSpPr>
+          <p:cNvPr id="104" name="TextBox 103"/>
+          <p:cNvSpPr txBox="1"/>
+          <p:nvPr/>
+        </p:nvSpPr>
+        <p:spPr>
+          <a:xfrm>
+            <a:off x="8520136" y="836712"/>
+            <a:ext cx="444352" cy="369332"/>
+          </a:xfrm>
+          <a:prstGeom prst="rect">
+            <a:avLst/>
+          </a:prstGeom>
+          <a:noFill/>
+        </p:spPr>
+        <p:txBody>
+          <a:bodyPr wrap="none" rtlCol="0">
+            <a:spAutoFit/>
+          </a:bodyPr>
+          <a:lstStyle/>
+          <a:p>
+            <a:r>
+              <a:rPr lang="en-US" dirty="0" smtClean="0"/>
+              <a:t>D3</a:t>
+            </a:r>
+            <a:endParaRPr lang="en-IN" dirty="0"/>
+          </a:p>
+        </p:txBody>
+      </p:sp>
+      <p:grpSp>
+        <p:nvGrpSpPr>
+          <p:cNvPr id="13" name="Group 105"/>
+          <p:cNvGrpSpPr/>
+          <p:nvPr/>
+        </p:nvGrpSpPr>
+        <p:grpSpPr>
+          <a:xfrm>
+            <a:off x="6660232" y="3429000"/>
+            <a:ext cx="2304256" cy="504056"/>
+            <a:chOff x="6228184" y="188640"/>
+            <a:chExt cx="2304256" cy="504056"/>
+          </a:xfrm>
+        </p:grpSpPr>
+        <p:sp>
+          <p:nvSpPr>
+            <p:cNvPr id="108" name="Rectangle 107"/>
+            <p:cNvSpPr/>
+            <p:nvPr/>
+          </p:nvSpPr>
+          <p:spPr>
+            <a:xfrm>
+              <a:off x="6228184" y="188640"/>
+              <a:ext cx="2304256" cy="504056"/>
+            </a:xfrm>
+            <a:prstGeom prst="rect">
+              <a:avLst/>
+            </a:prstGeom>
+            <a:noFill/>
+            <a:ln>
+              <a:solidFill>
+                <a:schemeClr val="tx1"/>
+              </a:solidFill>
+            </a:ln>
+          </p:spPr>
+          <p:style>
+            <a:lnRef idx="2">
+              <a:schemeClr val="accent1">
+                <a:shade val="50000"/>
+              </a:schemeClr>
+            </a:lnRef>
+            <a:fillRef idx="1">
+              <a:schemeClr val="accent1"/>
+            </a:fillRef>
+            <a:effectRef idx="0">
+              <a:schemeClr val="accent1"/>
+            </a:effectRef>
+            <a:fontRef idx="minor">
+              <a:schemeClr val="lt1"/>
+            </a:fontRef>
+          </p:style>
+          <p:txBody>
+            <a:bodyPr rtlCol="0" anchor="ctr"/>
+            <a:lstStyle/>
+            <a:p>
+              <a:pPr algn="ctr"/>
+              <a:endParaRPr lang="en-IN"/>
+            </a:p>
+          </p:txBody>
+        </p:sp>
+        <p:cxnSp>
+          <p:nvCxnSpPr>
+            <p:cNvPr id="109" name="Straight Connector 108"/>
+            <p:cNvCxnSpPr/>
+            <p:nvPr/>
+          </p:nvCxnSpPr>
+          <p:spPr>
+            <a:xfrm>
+              <a:off x="7956376" y="188640"/>
+              <a:ext cx="0" cy="504056"/>
+            </a:xfrm>
+            <a:prstGeom prst="line">
+              <a:avLst/>
+            </a:prstGeom>
+            <a:ln>
+              <a:solidFill>
+                <a:schemeClr val="tx1"/>
+              </a:solidFill>
+            </a:ln>
+          </p:spPr>
+          <p:style>
+            <a:lnRef idx="1">
+              <a:schemeClr val="accent1"/>
+            </a:lnRef>
+            <a:fillRef idx="0">
+              <a:schemeClr val="accent1"/>
+            </a:fillRef>
+            <a:effectRef idx="0">
+              <a:schemeClr val="accent1"/>
+            </a:effectRef>
+            <a:fontRef idx="minor">
+              <a:schemeClr val="tx1"/>
+            </a:fontRef>
+          </p:style>
+        </p:cxnSp>
+        <p:sp>
+          <p:nvSpPr>
+            <p:cNvPr id="110" name="TextBox 109"/>
+            <p:cNvSpPr txBox="1"/>
+            <p:nvPr/>
+          </p:nvSpPr>
+          <p:spPr>
+            <a:xfrm>
+              <a:off x="6372200" y="251356"/>
+              <a:ext cx="1607428" cy="369332"/>
+            </a:xfrm>
+            <a:prstGeom prst="rect">
+              <a:avLst/>
+            </a:prstGeom>
+            <a:noFill/>
+          </p:spPr>
+          <p:txBody>
+            <a:bodyPr wrap="none" rtlCol="0">
+              <a:spAutoFit/>
+            </a:bodyPr>
+            <a:lstStyle/>
+            <a:p>
+              <a:r>
+                <a:rPr lang="en-IN" dirty="0" smtClean="0"/>
+                <a:t>Exercise</a:t>
+              </a:r>
+              <a:r>
+                <a:rPr lang="en-US" dirty="0" smtClean="0"/>
+                <a:t> </a:t>
+              </a:r>
+              <a:r>
+                <a:rPr lang="en-US" dirty="0" smtClean="0"/>
+                <a:t>details</a:t>
+              </a:r>
+              <a:endParaRPr lang="en-IN" dirty="0"/>
+            </a:p>
+          </p:txBody>
+        </p:sp>
+        <p:sp>
+          <p:nvSpPr>
+            <p:cNvPr id="112" name="TextBox 111"/>
+            <p:cNvSpPr txBox="1"/>
+            <p:nvPr/>
+          </p:nvSpPr>
+          <p:spPr>
+            <a:xfrm>
+              <a:off x="8028384" y="260648"/>
+              <a:ext cx="444352" cy="369332"/>
+            </a:xfrm>
+            <a:prstGeom prst="rect">
+              <a:avLst/>
+            </a:prstGeom>
+            <a:noFill/>
+          </p:spPr>
+          <p:txBody>
+            <a:bodyPr wrap="none" rtlCol="0">
+              <a:spAutoFit/>
+            </a:bodyPr>
+            <a:lstStyle/>
+            <a:p>
+              <a:r>
+                <a:rPr lang="en-US" dirty="0" smtClean="0"/>
+                <a:t>D4</a:t>
+              </a:r>
+              <a:endParaRPr lang="en-IN" dirty="0"/>
+            </a:p>
+          </p:txBody>
+        </p:sp>
+      </p:grpSp>
+      <p:grpSp>
+        <p:nvGrpSpPr>
+          <p:cNvPr id="14" name="Group 112"/>
+          <p:cNvGrpSpPr/>
+          <p:nvPr/>
+        </p:nvGrpSpPr>
+        <p:grpSpPr>
+          <a:xfrm>
+            <a:off x="5580112" y="6237312"/>
+            <a:ext cx="2304256" cy="504056"/>
+            <a:chOff x="6228184" y="188640"/>
+            <a:chExt cx="2304256" cy="504056"/>
+          </a:xfrm>
+        </p:grpSpPr>
+        <p:sp>
+          <p:nvSpPr>
+            <p:cNvPr id="114" name="Rectangle 113"/>
+            <p:cNvSpPr/>
+            <p:nvPr/>
+          </p:nvSpPr>
+          <p:spPr>
+            <a:xfrm>
+              <a:off x="6228184" y="188640"/>
+              <a:ext cx="2304256" cy="504056"/>
+            </a:xfrm>
+            <a:prstGeom prst="rect">
+              <a:avLst/>
+            </a:prstGeom>
+            <a:noFill/>
+            <a:ln>
+              <a:solidFill>
+                <a:schemeClr val="tx1"/>
+              </a:solidFill>
+            </a:ln>
+          </p:spPr>
+          <p:style>
+            <a:lnRef idx="2">
+              <a:schemeClr val="accent1">
+                <a:shade val="50000"/>
+              </a:schemeClr>
+            </a:lnRef>
+            <a:fillRef idx="1">
+              <a:schemeClr val="accent1"/>
+            </a:fillRef>
+            <a:effectRef idx="0">
+              <a:schemeClr val="accent1"/>
+            </a:effectRef>
+            <a:fontRef idx="minor">
+              <a:schemeClr val="lt1"/>
+            </a:fontRef>
+          </p:style>
+          <p:txBody>
+            <a:bodyPr rtlCol="0" anchor="ctr"/>
+            <a:lstStyle/>
+            <a:p>
+              <a:pPr algn="ctr"/>
+              <a:endParaRPr lang="en-IN"/>
+            </a:p>
+          </p:txBody>
+        </p:sp>
+        <p:cxnSp>
+          <p:nvCxnSpPr>
+            <p:cNvPr id="115" name="Straight Connector 114"/>
+            <p:cNvCxnSpPr/>
+            <p:nvPr/>
+          </p:nvCxnSpPr>
+          <p:spPr>
+            <a:xfrm>
+              <a:off x="7956376" y="188640"/>
+              <a:ext cx="0" cy="504056"/>
+            </a:xfrm>
+            <a:prstGeom prst="line">
+              <a:avLst/>
+            </a:prstGeom>
+            <a:ln>
+              <a:solidFill>
+                <a:schemeClr val="tx1"/>
+              </a:solidFill>
+            </a:ln>
+          </p:spPr>
+          <p:style>
+            <a:lnRef idx="1">
+              <a:schemeClr val="accent1"/>
+            </a:lnRef>
+            <a:fillRef idx="0">
+              <a:schemeClr val="accent1"/>
+            </a:fillRef>
+            <a:effectRef idx="0">
+              <a:schemeClr val="accent1"/>
+            </a:effectRef>
+            <a:fontRef idx="minor">
+              <a:schemeClr val="tx1"/>
+            </a:fontRef>
+          </p:style>
+        </p:cxnSp>
+        <p:sp>
+          <p:nvSpPr>
+            <p:cNvPr id="117" name="TextBox 116"/>
+            <p:cNvSpPr txBox="1"/>
+            <p:nvPr/>
+          </p:nvSpPr>
+          <p:spPr>
+            <a:xfrm>
+              <a:off x="6372200" y="251356"/>
+              <a:ext cx="1374928" cy="369332"/>
+            </a:xfrm>
+            <a:prstGeom prst="rect">
+              <a:avLst/>
+            </a:prstGeom>
+            <a:noFill/>
+          </p:spPr>
+          <p:txBody>
+            <a:bodyPr wrap="none" rtlCol="0">
+              <a:spAutoFit/>
+            </a:bodyPr>
+            <a:lstStyle/>
+            <a:p>
+              <a:r>
+                <a:rPr lang="en-US" dirty="0" smtClean="0"/>
+                <a:t> Food</a:t>
+              </a:r>
+              <a:r>
+                <a:rPr lang="en-US" dirty="0" smtClean="0"/>
+                <a:t> </a:t>
+              </a:r>
+              <a:r>
+                <a:rPr lang="en-US" dirty="0" smtClean="0"/>
+                <a:t>details</a:t>
+              </a:r>
+              <a:endParaRPr lang="en-IN" dirty="0"/>
+            </a:p>
+          </p:txBody>
+        </p:sp>
+        <p:sp>
+          <p:nvSpPr>
+            <p:cNvPr id="118" name="TextBox 117"/>
+            <p:cNvSpPr txBox="1"/>
+            <p:nvPr/>
+          </p:nvSpPr>
+          <p:spPr>
+            <a:xfrm>
+              <a:off x="8028384" y="260648"/>
+              <a:ext cx="444352" cy="369332"/>
+            </a:xfrm>
+            <a:prstGeom prst="rect">
+              <a:avLst/>
+            </a:prstGeom>
+            <a:noFill/>
+          </p:spPr>
+          <p:txBody>
+            <a:bodyPr wrap="none" rtlCol="0">
+              <a:spAutoFit/>
+            </a:bodyPr>
+            <a:lstStyle/>
+            <a:p>
+              <a:r>
+                <a:rPr lang="en-US" dirty="0" smtClean="0"/>
+                <a:t>D5</a:t>
+              </a:r>
+              <a:endParaRPr lang="en-IN" dirty="0"/>
+            </a:p>
+          </p:txBody>
+        </p:sp>
+      </p:grpSp>
+      <p:grpSp>
+        <p:nvGrpSpPr>
+          <p:cNvPr id="15" name="Group 119"/>
+          <p:cNvGrpSpPr/>
+          <p:nvPr/>
+        </p:nvGrpSpPr>
+        <p:grpSpPr>
+          <a:xfrm>
+            <a:off x="395536" y="4293096"/>
+            <a:ext cx="2304256" cy="432048"/>
+            <a:chOff x="6228184" y="188640"/>
+            <a:chExt cx="2477308" cy="504056"/>
+          </a:xfrm>
+        </p:grpSpPr>
+        <p:sp>
+          <p:nvSpPr>
+            <p:cNvPr id="121" name="Rectangle 120"/>
+            <p:cNvSpPr/>
+            <p:nvPr/>
+          </p:nvSpPr>
+          <p:spPr>
+            <a:xfrm>
+              <a:off x="6228184" y="188640"/>
+              <a:ext cx="2304256" cy="504056"/>
+            </a:xfrm>
+            <a:prstGeom prst="rect">
+              <a:avLst/>
+            </a:prstGeom>
+            <a:noFill/>
+            <a:ln>
+              <a:solidFill>
+                <a:schemeClr val="tx1"/>
+              </a:solidFill>
+            </a:ln>
+          </p:spPr>
+          <p:style>
+            <a:lnRef idx="2">
+              <a:schemeClr val="accent1">
+                <a:shade val="50000"/>
+              </a:schemeClr>
+            </a:lnRef>
+            <a:fillRef idx="1">
+              <a:schemeClr val="accent1"/>
+            </a:fillRef>
+            <a:effectRef idx="0">
+              <a:schemeClr val="accent1"/>
+            </a:effectRef>
+            <a:fontRef idx="minor">
+              <a:schemeClr val="lt1"/>
+            </a:fontRef>
+          </p:style>
+          <p:txBody>
+            <a:bodyPr rtlCol="0" anchor="ctr"/>
+            <a:lstStyle/>
+            <a:p>
+              <a:pPr algn="ctr"/>
+              <a:endParaRPr lang="en-IN"/>
+            </a:p>
+          </p:txBody>
+        </p:sp>
+        <p:cxnSp>
+          <p:nvCxnSpPr>
+            <p:cNvPr id="122" name="Straight Connector 121"/>
+            <p:cNvCxnSpPr/>
+            <p:nvPr/>
+          </p:nvCxnSpPr>
+          <p:spPr>
+            <a:xfrm>
+              <a:off x="7956376" y="188640"/>
+              <a:ext cx="0" cy="504056"/>
+            </a:xfrm>
+            <a:prstGeom prst="line">
+              <a:avLst/>
+            </a:prstGeom>
+            <a:ln>
+              <a:solidFill>
+                <a:schemeClr val="tx1"/>
+              </a:solidFill>
+            </a:ln>
+          </p:spPr>
+          <p:style>
+            <a:lnRef idx="1">
+              <a:schemeClr val="accent1"/>
+            </a:lnRef>
+            <a:fillRef idx="0">
+              <a:schemeClr val="accent1"/>
+            </a:fillRef>
+            <a:effectRef idx="0">
+              <a:schemeClr val="accent1"/>
+            </a:effectRef>
+            <a:fontRef idx="minor">
+              <a:schemeClr val="tx1"/>
+            </a:fontRef>
+          </p:style>
+        </p:cxnSp>
+        <p:sp>
+          <p:nvSpPr>
+            <p:cNvPr id="124" name="TextBox 123"/>
+            <p:cNvSpPr txBox="1"/>
+            <p:nvPr/>
+          </p:nvSpPr>
+          <p:spPr>
+            <a:xfrm>
+              <a:off x="6305600" y="251357"/>
+              <a:ext cx="1639083" cy="430887"/>
+            </a:xfrm>
+            <a:prstGeom prst="rect">
+              <a:avLst/>
+            </a:prstGeom>
+            <a:noFill/>
+          </p:spPr>
+          <p:txBody>
+            <a:bodyPr wrap="none" rtlCol="0">
+              <a:spAutoFit/>
+            </a:bodyPr>
+            <a:lstStyle/>
+            <a:p>
+              <a:r>
+                <a:rPr lang="en-US" dirty="0" smtClean="0"/>
+                <a:t>Weight </a:t>
+              </a:r>
+              <a:r>
+                <a:rPr lang="en-US" dirty="0" smtClean="0"/>
+                <a:t>details</a:t>
+              </a:r>
+              <a:endParaRPr lang="en-IN" dirty="0"/>
+            </a:p>
+          </p:txBody>
+        </p:sp>
+        <p:sp>
+          <p:nvSpPr>
+            <p:cNvPr id="125" name="TextBox 124"/>
+            <p:cNvSpPr txBox="1"/>
+            <p:nvPr/>
+          </p:nvSpPr>
+          <p:spPr>
+            <a:xfrm>
+              <a:off x="8028384" y="260648"/>
+              <a:ext cx="677108" cy="430887"/>
+            </a:xfrm>
+            <a:prstGeom prst="rect">
+              <a:avLst/>
+            </a:prstGeom>
+            <a:noFill/>
+          </p:spPr>
+          <p:txBody>
+            <a:bodyPr wrap="none" rtlCol="0">
+              <a:spAutoFit/>
+            </a:bodyPr>
+            <a:lstStyle/>
+            <a:p>
+              <a:r>
+                <a:rPr lang="en-US" dirty="0" smtClean="0"/>
+                <a:t>D6</a:t>
+              </a:r>
+              <a:endParaRPr lang="en-IN" dirty="0"/>
+            </a:p>
+          </p:txBody>
+        </p:sp>
+      </p:grpSp>
+      <p:grpSp>
+        <p:nvGrpSpPr>
+          <p:cNvPr id="16" name="Group 125"/>
+          <p:cNvGrpSpPr/>
+          <p:nvPr/>
+        </p:nvGrpSpPr>
+        <p:grpSpPr>
+          <a:xfrm>
+            <a:off x="107504" y="3645024"/>
+            <a:ext cx="2304256" cy="504056"/>
+            <a:chOff x="6228184" y="188640"/>
+            <a:chExt cx="2304256" cy="504056"/>
+          </a:xfrm>
+        </p:grpSpPr>
+        <p:sp>
+          <p:nvSpPr>
+            <p:cNvPr id="127" name="Rectangle 126"/>
+            <p:cNvSpPr/>
+            <p:nvPr/>
+          </p:nvSpPr>
+          <p:spPr>
+            <a:xfrm>
+              <a:off x="6228184" y="188640"/>
+              <a:ext cx="2304256" cy="504056"/>
+            </a:xfrm>
+            <a:prstGeom prst="rect">
+              <a:avLst/>
+            </a:prstGeom>
+            <a:noFill/>
+            <a:ln>
+              <a:solidFill>
+                <a:schemeClr val="tx1"/>
+              </a:solidFill>
+            </a:ln>
+          </p:spPr>
+          <p:style>
+            <a:lnRef idx="2">
+              <a:schemeClr val="accent1">
+                <a:shade val="50000"/>
+              </a:schemeClr>
+            </a:lnRef>
+            <a:fillRef idx="1">
+              <a:schemeClr val="accent1"/>
+            </a:fillRef>
+            <a:effectRef idx="0">
+              <a:schemeClr val="accent1"/>
+            </a:effectRef>
+            <a:fontRef idx="minor">
+              <a:schemeClr val="lt1"/>
+            </a:fontRef>
+          </p:style>
+          <p:txBody>
+            <a:bodyPr rtlCol="0" anchor="ctr"/>
+            <a:lstStyle/>
+            <a:p>
+              <a:pPr algn="ctr"/>
+              <a:endParaRPr lang="en-IN"/>
+            </a:p>
+          </p:txBody>
+        </p:sp>
+        <p:cxnSp>
+          <p:nvCxnSpPr>
+            <p:cNvPr id="129" name="Straight Connector 128"/>
+            <p:cNvCxnSpPr/>
+            <p:nvPr/>
+          </p:nvCxnSpPr>
+          <p:spPr>
+            <a:xfrm>
+              <a:off x="7956376" y="188640"/>
+              <a:ext cx="0" cy="504056"/>
+            </a:xfrm>
+            <a:prstGeom prst="line">
+              <a:avLst/>
+            </a:prstGeom>
+            <a:ln>
+              <a:solidFill>
+                <a:schemeClr val="tx1"/>
+              </a:solidFill>
+            </a:ln>
+          </p:spPr>
+          <p:style>
+            <a:lnRef idx="1">
+              <a:schemeClr val="accent1"/>
+            </a:lnRef>
+            <a:fillRef idx="0">
+              <a:schemeClr val="accent1"/>
+            </a:fillRef>
+            <a:effectRef idx="0">
+              <a:schemeClr val="accent1"/>
+            </a:effectRef>
+            <a:fontRef idx="minor">
+              <a:schemeClr val="tx1"/>
+            </a:fontRef>
+          </p:style>
+        </p:cxnSp>
+        <p:sp>
+          <p:nvSpPr>
+            <p:cNvPr id="131" name="TextBox 130"/>
+            <p:cNvSpPr txBox="1"/>
+            <p:nvPr/>
+          </p:nvSpPr>
+          <p:spPr>
+            <a:xfrm>
+              <a:off x="6444208" y="260648"/>
+              <a:ext cx="1784336" cy="369332"/>
+            </a:xfrm>
+            <a:prstGeom prst="rect">
+              <a:avLst/>
+            </a:prstGeom>
+            <a:noFill/>
+          </p:spPr>
+          <p:txBody>
+            <a:bodyPr wrap="square" rtlCol="0">
+              <a:spAutoFit/>
+            </a:bodyPr>
+            <a:lstStyle/>
+            <a:p>
+              <a:r>
+                <a:rPr lang="en-US" dirty="0" smtClean="0"/>
+                <a:t>Progress </a:t>
+              </a:r>
+              <a:r>
+                <a:rPr lang="en-US" dirty="0" smtClean="0"/>
+                <a:t>info</a:t>
+              </a:r>
+              <a:endParaRPr lang="en-IN" dirty="0"/>
+            </a:p>
+          </p:txBody>
+        </p:sp>
+        <p:sp>
+          <p:nvSpPr>
+            <p:cNvPr id="132" name="TextBox 131"/>
+            <p:cNvSpPr txBox="1"/>
+            <p:nvPr/>
+          </p:nvSpPr>
+          <p:spPr>
+            <a:xfrm>
+              <a:off x="8028384" y="260648"/>
+              <a:ext cx="444352" cy="369332"/>
+            </a:xfrm>
+            <a:prstGeom prst="rect">
+              <a:avLst/>
+            </a:prstGeom>
+            <a:noFill/>
+          </p:spPr>
+          <p:txBody>
+            <a:bodyPr wrap="none" rtlCol="0">
+              <a:spAutoFit/>
+            </a:bodyPr>
+            <a:lstStyle/>
+            <a:p>
+              <a:r>
+                <a:rPr lang="en-US" dirty="0" smtClean="0"/>
+                <a:t>D7</a:t>
+              </a:r>
+              <a:endParaRPr lang="en-IN" dirty="0"/>
+            </a:p>
+          </p:txBody>
+        </p:sp>
+      </p:grpSp>
+      <p:cxnSp>
+        <p:nvCxnSpPr>
+          <p:cNvPr id="140" name="Elbow Connector 139"/>
+          <p:cNvCxnSpPr>
+            <a:stCxn id="57" idx="0"/>
+            <a:endCxn id="46" idx="2"/>
+          </p:cNvCxnSpPr>
+          <p:nvPr/>
+        </p:nvCxnSpPr>
+        <p:spPr>
+          <a:xfrm rot="5400000" flipH="1" flipV="1">
+            <a:off x="2879812" y="5481228"/>
+            <a:ext cx="864096" cy="792088"/>
+          </a:xfrm>
+          <a:prstGeom prst="bentConnector2">
+            <a:avLst/>
+          </a:prstGeom>
+          <a:ln>
+            <a:solidFill>
+              <a:schemeClr val="tx1"/>
+            </a:solidFill>
+            <a:tailEnd type="arrow"/>
+          </a:ln>
+        </p:spPr>
+        <p:style>
+          <a:lnRef idx="1">
+            <a:schemeClr val="accent1"/>
+          </a:lnRef>
+          <a:fillRef idx="0">
+            <a:schemeClr val="accent1"/>
+          </a:fillRef>
+          <a:effectRef idx="0">
+            <a:schemeClr val="accent1"/>
+          </a:effectRef>
+          <a:fontRef idx="minor">
+            <a:schemeClr val="tx1"/>
+          </a:fontRef>
+        </p:style>
+      </p:cxnSp>
+      <p:cxnSp>
+        <p:nvCxnSpPr>
+          <p:cNvPr id="142" name="Elbow Connector 139"/>
+          <p:cNvCxnSpPr>
+            <a:stCxn id="46" idx="6"/>
+          </p:cNvCxnSpPr>
+          <p:nvPr/>
+        </p:nvCxnSpPr>
+        <p:spPr>
+          <a:xfrm>
+            <a:off x="5436096" y="5445224"/>
+            <a:ext cx="792088" cy="792088"/>
+          </a:xfrm>
+          <a:prstGeom prst="bentConnector2">
+            <a:avLst/>
+          </a:prstGeom>
+          <a:ln>
+            <a:solidFill>
+              <a:schemeClr val="tx1"/>
+            </a:solidFill>
+            <a:tailEnd type="arrow"/>
+          </a:ln>
+        </p:spPr>
+        <p:style>
+          <a:lnRef idx="1">
+            <a:schemeClr val="accent1"/>
+          </a:lnRef>
+          <a:fillRef idx="0">
+            <a:schemeClr val="accent1"/>
+          </a:fillRef>
+          <a:effectRef idx="0">
+            <a:schemeClr val="accent1"/>
+          </a:effectRef>
+          <a:fontRef idx="minor">
+            <a:schemeClr val="tx1"/>
+          </a:fontRef>
+        </p:style>
+      </p:cxnSp>
+      <p:cxnSp>
+        <p:nvCxnSpPr>
+          <p:cNvPr id="150" name="Elbow Connector 139"/>
+          <p:cNvCxnSpPr>
+            <a:stCxn id="114" idx="1"/>
+            <a:endCxn id="46" idx="4"/>
+          </p:cNvCxnSpPr>
+          <p:nvPr/>
+        </p:nvCxnSpPr>
+        <p:spPr>
+          <a:xfrm rot="10800000">
+            <a:off x="4572000" y="6021288"/>
+            <a:ext cx="1008112" cy="468052"/>
+          </a:xfrm>
+          <a:prstGeom prst="bentConnector2">
+            <a:avLst/>
+          </a:prstGeom>
+          <a:ln>
+            <a:solidFill>
+              <a:schemeClr val="tx1"/>
+            </a:solidFill>
+            <a:tailEnd type="arrow"/>
+          </a:ln>
+        </p:spPr>
+        <p:style>
+          <a:lnRef idx="1">
+            <a:schemeClr val="accent1"/>
+          </a:lnRef>
+          <a:fillRef idx="0">
+            <a:schemeClr val="accent1"/>
+          </a:fillRef>
+          <a:effectRef idx="0">
+            <a:schemeClr val="accent1"/>
+          </a:effectRef>
+          <a:fontRef idx="minor">
+            <a:schemeClr val="tx1"/>
+          </a:fontRef>
+        </p:style>
+      </p:cxnSp>
+      <p:cxnSp>
+        <p:nvCxnSpPr>
+          <p:cNvPr id="172" name="Elbow Connector 139"/>
+          <p:cNvCxnSpPr>
+            <a:stCxn id="60" idx="1"/>
+            <a:endCxn id="48" idx="3"/>
+          </p:cNvCxnSpPr>
+          <p:nvPr/>
+        </p:nvCxnSpPr>
+        <p:spPr>
+          <a:xfrm rot="10800000">
+            <a:off x="7057336" y="5204492"/>
+            <a:ext cx="322976" cy="708785"/>
+          </a:xfrm>
+          <a:prstGeom prst="bentConnector2">
+            <a:avLst/>
+          </a:prstGeom>
+          <a:ln>
+            <a:solidFill>
+              <a:schemeClr val="tx1"/>
+            </a:solidFill>
+            <a:tailEnd type="arrow"/>
+          </a:ln>
+        </p:spPr>
+        <p:style>
+          <a:lnRef idx="1">
+            <a:schemeClr val="accent1"/>
+          </a:lnRef>
+          <a:fillRef idx="0">
+            <a:schemeClr val="accent1"/>
+          </a:fillRef>
+          <a:effectRef idx="0">
+            <a:schemeClr val="accent1"/>
+          </a:effectRef>
+          <a:fontRef idx="minor">
+            <a:schemeClr val="tx1"/>
+          </a:fontRef>
+        </p:style>
+      </p:cxnSp>
+      <p:cxnSp>
+        <p:nvCxnSpPr>
+          <p:cNvPr id="176" name="Elbow Connector 139"/>
+          <p:cNvCxnSpPr>
+            <a:stCxn id="48" idx="6"/>
+          </p:cNvCxnSpPr>
+          <p:nvPr/>
+        </p:nvCxnSpPr>
+        <p:spPr>
+          <a:xfrm flipV="1">
+            <a:off x="8532440" y="3933056"/>
+            <a:ext cx="215516" cy="864096"/>
+          </a:xfrm>
+          <a:prstGeom prst="bentConnector2">
+            <a:avLst/>
+          </a:prstGeom>
+          <a:ln>
+            <a:solidFill>
+              <a:schemeClr val="tx1"/>
+            </a:solidFill>
+            <a:tailEnd type="arrow"/>
+          </a:ln>
+        </p:spPr>
+        <p:style>
+          <a:lnRef idx="1">
+            <a:schemeClr val="accent1"/>
+          </a:lnRef>
+          <a:fillRef idx="0">
+            <a:schemeClr val="accent1"/>
+          </a:fillRef>
+          <a:effectRef idx="0">
+            <a:schemeClr val="accent1"/>
+          </a:effectRef>
+          <a:fontRef idx="minor">
+            <a:schemeClr val="tx1"/>
+          </a:fontRef>
+        </p:style>
+      </p:cxnSp>
+      <p:cxnSp>
+        <p:nvCxnSpPr>
+          <p:cNvPr id="178" name="Elbow Connector 139"/>
+          <p:cNvCxnSpPr>
+            <a:stCxn id="108" idx="1"/>
+            <a:endCxn id="48" idx="1"/>
+          </p:cNvCxnSpPr>
+          <p:nvPr/>
+        </p:nvCxnSpPr>
+        <p:spPr>
+          <a:xfrm rot="10800000" flipH="1" flipV="1">
+            <a:off x="6660232" y="3681027"/>
+            <a:ext cx="397104" cy="708785"/>
+          </a:xfrm>
+          <a:prstGeom prst="bentConnector4">
+            <a:avLst>
+              <a:gd name="adj1" fmla="val -57567"/>
+              <a:gd name="adj2" fmla="val 73347"/>
+            </a:avLst>
+          </a:prstGeom>
+          <a:ln>
+            <a:solidFill>
+              <a:schemeClr val="tx1"/>
+            </a:solidFill>
+            <a:tailEnd type="arrow"/>
+          </a:ln>
+        </p:spPr>
+        <p:style>
+          <a:lnRef idx="1">
+            <a:schemeClr val="accent1"/>
+          </a:lnRef>
+          <a:fillRef idx="0">
+            <a:schemeClr val="accent1"/>
+          </a:fillRef>
+          <a:effectRef idx="0">
+            <a:schemeClr val="accent1"/>
+          </a:effectRef>
+          <a:fontRef idx="minor">
+            <a:schemeClr val="tx1"/>
+          </a:fontRef>
+        </p:style>
+      </p:cxnSp>
+      <p:cxnSp>
+        <p:nvCxnSpPr>
+          <p:cNvPr id="180" name="Elbow Connector 139"/>
+          <p:cNvCxnSpPr/>
+          <p:nvPr/>
+        </p:nvCxnSpPr>
+        <p:spPr>
+          <a:xfrm rot="5400000" flipH="1" flipV="1">
+            <a:off x="8460432" y="1412776"/>
+            <a:ext cx="648072" cy="360040"/>
+          </a:xfrm>
+          <a:prstGeom prst="bentConnector3">
+            <a:avLst>
+              <a:gd name="adj1" fmla="val 74"/>
+            </a:avLst>
+          </a:prstGeom>
+          <a:ln>
+            <a:solidFill>
+              <a:schemeClr val="tx1"/>
+            </a:solidFill>
+            <a:tailEnd type="arrow"/>
+          </a:ln>
+        </p:spPr>
+        <p:style>
+          <a:lnRef idx="1">
+            <a:schemeClr val="accent1"/>
+          </a:lnRef>
+          <a:fillRef idx="0">
+            <a:schemeClr val="accent1"/>
+          </a:fillRef>
+          <a:effectRef idx="0">
+            <a:schemeClr val="accent1"/>
+          </a:effectRef>
+          <a:fontRef idx="minor">
+            <a:schemeClr val="tx1"/>
+          </a:fontRef>
+        </p:style>
+      </p:cxnSp>
+      <p:cxnSp>
+        <p:nvCxnSpPr>
+          <p:cNvPr id="183" name="Elbow Connector 139"/>
+          <p:cNvCxnSpPr>
+            <a:endCxn id="49" idx="2"/>
+          </p:cNvCxnSpPr>
+          <p:nvPr/>
+        </p:nvCxnSpPr>
+        <p:spPr>
+          <a:xfrm rot="5400000">
+            <a:off x="6516216" y="1628800"/>
+            <a:ext cx="720080" cy="12700"/>
+          </a:xfrm>
+          <a:prstGeom prst="bentConnector4">
+            <a:avLst>
+              <a:gd name="adj1" fmla="val 10000"/>
+              <a:gd name="adj2" fmla="val 3239536"/>
+            </a:avLst>
+          </a:prstGeom>
+          <a:ln>
+            <a:solidFill>
+              <a:schemeClr val="tx1"/>
+            </a:solidFill>
+            <a:tailEnd type="arrow"/>
+          </a:ln>
+        </p:spPr>
+        <p:style>
+          <a:lnRef idx="1">
+            <a:schemeClr val="accent1"/>
+          </a:lnRef>
+          <a:fillRef idx="0">
+            <a:schemeClr val="accent1"/>
+          </a:fillRef>
+          <a:effectRef idx="0">
+            <a:schemeClr val="accent1"/>
+          </a:effectRef>
+          <a:fontRef idx="minor">
+            <a:schemeClr val="tx1"/>
+          </a:fontRef>
+        </p:style>
+      </p:cxnSp>
+      <p:cxnSp>
+        <p:nvCxnSpPr>
+          <p:cNvPr id="187" name="Elbow Connector 139"/>
+          <p:cNvCxnSpPr>
+            <a:stCxn id="63" idx="1"/>
+            <a:endCxn id="49" idx="3"/>
+          </p:cNvCxnSpPr>
+          <p:nvPr/>
+        </p:nvCxnSpPr>
+        <p:spPr>
+          <a:xfrm rot="10800000">
+            <a:off x="7129344" y="2396180"/>
+            <a:ext cx="250968" cy="564769"/>
+          </a:xfrm>
+          <a:prstGeom prst="bentConnector2">
+            <a:avLst/>
+          </a:prstGeom>
+          <a:ln>
+            <a:solidFill>
+              <a:schemeClr val="tx1"/>
+            </a:solidFill>
+            <a:tailEnd type="arrow"/>
+          </a:ln>
+        </p:spPr>
+        <p:style>
+          <a:lnRef idx="1">
+            <a:schemeClr val="accent1"/>
+          </a:lnRef>
+          <a:fillRef idx="0">
+            <a:schemeClr val="accent1"/>
+          </a:fillRef>
+          <a:effectRef idx="0">
+            <a:schemeClr val="accent1"/>
+          </a:effectRef>
+          <a:fontRef idx="minor">
+            <a:schemeClr val="tx1"/>
+          </a:fontRef>
+        </p:style>
+      </p:cxnSp>
+      <p:cxnSp>
+        <p:nvCxnSpPr>
+          <p:cNvPr id="193" name="Elbow Connector 139"/>
+          <p:cNvCxnSpPr/>
+          <p:nvPr/>
+        </p:nvCxnSpPr>
+        <p:spPr>
+          <a:xfrm rot="10800000" flipV="1">
+            <a:off x="5148064" y="260648"/>
+            <a:ext cx="576064" cy="432048"/>
+          </a:xfrm>
+          <a:prstGeom prst="bentConnector2">
+            <a:avLst/>
+          </a:prstGeom>
+          <a:ln>
+            <a:solidFill>
+              <a:schemeClr val="tx1"/>
+            </a:solidFill>
+            <a:tailEnd type="arrow"/>
+          </a:ln>
+        </p:spPr>
+        <p:style>
+          <a:lnRef idx="1">
+            <a:schemeClr val="accent1"/>
+          </a:lnRef>
+          <a:fillRef idx="0">
+            <a:schemeClr val="accent1"/>
+          </a:fillRef>
+          <a:effectRef idx="0">
+            <a:schemeClr val="accent1"/>
+          </a:effectRef>
+          <a:fontRef idx="minor">
+            <a:schemeClr val="tx1"/>
+          </a:fontRef>
+        </p:style>
+      </p:cxnSp>
+      <p:cxnSp>
+        <p:nvCxnSpPr>
+          <p:cNvPr id="195" name="Elbow Connector 139"/>
+          <p:cNvCxnSpPr>
+            <a:stCxn id="44" idx="6"/>
+          </p:cNvCxnSpPr>
+          <p:nvPr/>
+        </p:nvCxnSpPr>
+        <p:spPr>
+          <a:xfrm flipV="1">
+            <a:off x="5940152" y="548680"/>
+            <a:ext cx="288032" cy="720080"/>
+          </a:xfrm>
+          <a:prstGeom prst="bentConnector2">
+            <a:avLst/>
+          </a:prstGeom>
+          <a:ln>
+            <a:solidFill>
+              <a:schemeClr val="tx1"/>
+            </a:solidFill>
+            <a:tailEnd type="arrow"/>
+          </a:ln>
+        </p:spPr>
+        <p:style>
+          <a:lnRef idx="1">
+            <a:schemeClr val="accent1"/>
+          </a:lnRef>
+          <a:fillRef idx="0">
+            <a:schemeClr val="accent1"/>
+          </a:fillRef>
+          <a:effectRef idx="0">
+            <a:schemeClr val="accent1"/>
+          </a:effectRef>
+          <a:fontRef idx="minor">
+            <a:schemeClr val="tx1"/>
+          </a:fontRef>
+        </p:style>
+      </p:cxnSp>
+      <p:cxnSp>
+        <p:nvCxnSpPr>
+          <p:cNvPr id="223" name="Elbow Connector 139"/>
+          <p:cNvCxnSpPr>
+            <a:stCxn id="121" idx="1"/>
+            <a:endCxn id="45" idx="2"/>
+          </p:cNvCxnSpPr>
+          <p:nvPr/>
+        </p:nvCxnSpPr>
+        <p:spPr>
+          <a:xfrm rot="10800000" flipV="1">
+            <a:off x="395536" y="4509120"/>
+            <a:ext cx="12700" cy="936104"/>
+          </a:xfrm>
+          <a:prstGeom prst="bentConnector3">
+            <a:avLst>
+              <a:gd name="adj1" fmla="val 3055820"/>
+            </a:avLst>
+          </a:prstGeom>
+          <a:ln>
+            <a:solidFill>
+              <a:schemeClr val="tx1"/>
+            </a:solidFill>
+            <a:tailEnd type="arrow"/>
+          </a:ln>
+        </p:spPr>
+        <p:style>
+          <a:lnRef idx="1">
+            <a:schemeClr val="accent1"/>
+          </a:lnRef>
+          <a:fillRef idx="0">
+            <a:schemeClr val="accent1"/>
+          </a:fillRef>
+          <a:effectRef idx="0">
+            <a:schemeClr val="accent1"/>
+          </a:effectRef>
+          <a:fontRef idx="minor">
+            <a:schemeClr val="tx1"/>
+          </a:fontRef>
+        </p:style>
+      </p:cxnSp>
+      <p:cxnSp>
+        <p:nvCxnSpPr>
+          <p:cNvPr id="230" name="Elbow Connector 139"/>
+          <p:cNvCxnSpPr>
+            <a:stCxn id="67" idx="5"/>
+          </p:cNvCxnSpPr>
+          <p:nvPr/>
+        </p:nvCxnSpPr>
+        <p:spPr>
+          <a:xfrm rot="16200000" flipH="1">
+            <a:off x="5570315" y="3735254"/>
+            <a:ext cx="1099716" cy="1547736"/>
+          </a:xfrm>
+          <a:prstGeom prst="bentConnector2">
+            <a:avLst/>
+          </a:prstGeom>
+          <a:ln>
+            <a:solidFill>
+              <a:schemeClr val="tx1"/>
+            </a:solidFill>
+            <a:tailEnd type="arrow"/>
+          </a:ln>
+        </p:spPr>
+        <p:style>
+          <a:lnRef idx="1">
+            <a:schemeClr val="accent1"/>
+          </a:lnRef>
+          <a:fillRef idx="0">
+            <a:schemeClr val="accent1"/>
+          </a:fillRef>
+          <a:effectRef idx="0">
+            <a:schemeClr val="accent1"/>
+          </a:effectRef>
+          <a:fontRef idx="minor">
+            <a:schemeClr val="tx1"/>
+          </a:fontRef>
+        </p:style>
+      </p:cxnSp>
+      <p:cxnSp>
+        <p:nvCxnSpPr>
+          <p:cNvPr id="235" name="Straight Arrow Connector 234"/>
+          <p:cNvCxnSpPr/>
+          <p:nvPr/>
+        </p:nvCxnSpPr>
+        <p:spPr>
+          <a:xfrm flipV="1">
+            <a:off x="899592" y="5949280"/>
+            <a:ext cx="0" cy="360040"/>
+          </a:xfrm>
+          <a:prstGeom prst="straightConnector1">
+            <a:avLst/>
+          </a:prstGeom>
+          <a:ln>
+            <a:solidFill>
+              <a:schemeClr val="tx1"/>
+            </a:solidFill>
+            <a:tailEnd type="arrow"/>
+          </a:ln>
+        </p:spPr>
+        <p:style>
+          <a:lnRef idx="1">
+            <a:schemeClr val="accent1"/>
+          </a:lnRef>
+          <a:fillRef idx="0">
+            <a:schemeClr val="accent1"/>
+          </a:fillRef>
+          <a:effectRef idx="0">
+            <a:schemeClr val="accent1"/>
+          </a:effectRef>
+          <a:fontRef idx="minor">
+            <a:schemeClr val="tx1"/>
+          </a:fontRef>
+        </p:style>
+      </p:cxnSp>
+      <p:cxnSp>
+        <p:nvCxnSpPr>
+          <p:cNvPr id="236" name="Straight Arrow Connector 235"/>
+          <p:cNvCxnSpPr/>
+          <p:nvPr/>
+        </p:nvCxnSpPr>
+        <p:spPr>
+          <a:xfrm flipV="1">
+            <a:off x="4427984" y="4149080"/>
+            <a:ext cx="0" cy="720080"/>
+          </a:xfrm>
+          <a:prstGeom prst="straightConnector1">
+            <a:avLst/>
+          </a:prstGeom>
+          <a:ln>
+            <a:solidFill>
+              <a:schemeClr val="tx1"/>
+            </a:solidFill>
+            <a:tailEnd type="arrow"/>
+          </a:ln>
+        </p:spPr>
+        <p:style>
+          <a:lnRef idx="1">
+            <a:schemeClr val="accent1"/>
+          </a:lnRef>
+          <a:fillRef idx="0">
+            <a:schemeClr val="accent1"/>
+          </a:fillRef>
+          <a:effectRef idx="0">
+            <a:schemeClr val="accent1"/>
+          </a:effectRef>
+          <a:fontRef idx="minor">
+            <a:schemeClr val="tx1"/>
+          </a:fontRef>
+        </p:style>
+      </p:cxnSp>
+      <p:cxnSp>
+        <p:nvCxnSpPr>
+          <p:cNvPr id="238" name="Straight Arrow Connector 237"/>
+          <p:cNvCxnSpPr/>
+          <p:nvPr/>
+        </p:nvCxnSpPr>
+        <p:spPr>
+          <a:xfrm>
+            <a:off x="4644008" y="4149080"/>
+            <a:ext cx="0" cy="720080"/>
+          </a:xfrm>
+          <a:prstGeom prst="straightConnector1">
+            <a:avLst/>
+          </a:prstGeom>
+          <a:ln>
+            <a:solidFill>
+              <a:schemeClr val="tx1"/>
+            </a:solidFill>
+            <a:tailEnd type="arrow"/>
+          </a:ln>
+        </p:spPr>
+        <p:style>
+          <a:lnRef idx="1">
+            <a:schemeClr val="accent1"/>
+          </a:lnRef>
+          <a:fillRef idx="0">
+            <a:schemeClr val="accent1"/>
+          </a:fillRef>
+          <a:effectRef idx="0">
+            <a:schemeClr val="accent1"/>
+          </a:effectRef>
+          <a:fontRef idx="minor">
+            <a:schemeClr val="tx1"/>
+          </a:fontRef>
+        </p:style>
+      </p:cxnSp>
+      <p:cxnSp>
+        <p:nvCxnSpPr>
+          <p:cNvPr id="245" name="Straight Arrow Connector 244"/>
+          <p:cNvCxnSpPr/>
+          <p:nvPr/>
+        </p:nvCxnSpPr>
+        <p:spPr>
+          <a:xfrm>
+            <a:off x="5148064" y="1844824"/>
+            <a:ext cx="0" cy="1080120"/>
+          </a:xfrm>
+          <a:prstGeom prst="straightConnector1">
+            <a:avLst/>
+          </a:prstGeom>
+          <a:ln>
+            <a:solidFill>
+              <a:schemeClr val="tx1"/>
+            </a:solidFill>
+            <a:tailEnd type="arrow"/>
+          </a:ln>
+        </p:spPr>
+        <p:style>
+          <a:lnRef idx="1">
+            <a:schemeClr val="accent1"/>
+          </a:lnRef>
+          <a:fillRef idx="0">
+            <a:schemeClr val="accent1"/>
+          </a:fillRef>
+          <a:effectRef idx="0">
+            <a:schemeClr val="accent1"/>
+          </a:effectRef>
+          <a:fontRef idx="minor">
+            <a:schemeClr val="tx1"/>
+          </a:fontRef>
+        </p:style>
+      </p:cxnSp>
+      <p:cxnSp>
+        <p:nvCxnSpPr>
+          <p:cNvPr id="249" name="Elbow Connector 139"/>
+          <p:cNvCxnSpPr/>
+          <p:nvPr/>
+        </p:nvCxnSpPr>
+        <p:spPr>
+          <a:xfrm rot="10800000" flipV="1">
+            <a:off x="2123728" y="4077072"/>
+            <a:ext cx="1944216" cy="1296144"/>
+          </a:xfrm>
+          <a:prstGeom prst="bentConnector3">
+            <a:avLst>
+              <a:gd name="adj1" fmla="val 27569"/>
+            </a:avLst>
+          </a:prstGeom>
+          <a:ln>
+            <a:solidFill>
+              <a:schemeClr val="tx1"/>
+            </a:solidFill>
+            <a:tailEnd type="arrow"/>
+          </a:ln>
+        </p:spPr>
+        <p:style>
+          <a:lnRef idx="1">
+            <a:schemeClr val="accent1"/>
+          </a:lnRef>
+          <a:fillRef idx="0">
+            <a:schemeClr val="accent1"/>
+          </a:fillRef>
+          <a:effectRef idx="0">
+            <a:schemeClr val="accent1"/>
+          </a:effectRef>
+          <a:fontRef idx="minor">
+            <a:schemeClr val="tx1"/>
+          </a:fontRef>
+        </p:style>
+      </p:cxnSp>
+      <p:cxnSp>
+        <p:nvCxnSpPr>
+          <p:cNvPr id="253" name="Elbow Connector 139"/>
+          <p:cNvCxnSpPr/>
+          <p:nvPr/>
+        </p:nvCxnSpPr>
+        <p:spPr>
+          <a:xfrm rot="5400000" flipH="1" flipV="1">
+            <a:off x="2411760" y="3933056"/>
+            <a:ext cx="1440160" cy="1008112"/>
+          </a:xfrm>
+          <a:prstGeom prst="bentConnector3">
+            <a:avLst>
+              <a:gd name="adj1" fmla="val 83223"/>
+            </a:avLst>
+          </a:prstGeom>
+          <a:ln>
+            <a:solidFill>
+              <a:schemeClr val="tx1"/>
+            </a:solidFill>
+            <a:tailEnd type="arrow"/>
+          </a:ln>
+        </p:spPr>
+        <p:style>
+          <a:lnRef idx="1">
+            <a:schemeClr val="accent1"/>
+          </a:lnRef>
+          <a:fillRef idx="0">
+            <a:schemeClr val="accent1"/>
+          </a:fillRef>
+          <a:effectRef idx="0">
+            <a:schemeClr val="accent1"/>
+          </a:effectRef>
+          <a:fontRef idx="minor">
+            <a:schemeClr val="tx1"/>
+          </a:fontRef>
+        </p:style>
+      </p:cxnSp>
+      <p:cxnSp>
+        <p:nvCxnSpPr>
+          <p:cNvPr id="268" name="Elbow Connector 139"/>
+          <p:cNvCxnSpPr>
+            <a:stCxn id="48" idx="2"/>
+            <a:endCxn id="67" idx="6"/>
+          </p:cNvCxnSpPr>
+          <p:nvPr/>
+        </p:nvCxnSpPr>
+        <p:spPr>
+          <a:xfrm rot="10800000">
+            <a:off x="5652120" y="3501008"/>
+            <a:ext cx="1152128" cy="1296144"/>
+          </a:xfrm>
+          <a:prstGeom prst="bentConnector3">
+            <a:avLst>
+              <a:gd name="adj1" fmla="val 50000"/>
+            </a:avLst>
+          </a:prstGeom>
+          <a:ln>
+            <a:solidFill>
+              <a:schemeClr val="tx1"/>
+            </a:solidFill>
+            <a:tailEnd type="arrow"/>
+          </a:ln>
+        </p:spPr>
+        <p:style>
+          <a:lnRef idx="1">
+            <a:schemeClr val="accent1"/>
+          </a:lnRef>
+          <a:fillRef idx="0">
+            <a:schemeClr val="accent1"/>
+          </a:fillRef>
+          <a:effectRef idx="0">
+            <a:schemeClr val="accent1"/>
+          </a:effectRef>
+          <a:fontRef idx="minor">
+            <a:schemeClr val="tx1"/>
+          </a:fontRef>
+        </p:style>
+      </p:cxnSp>
+      <p:sp>
+        <p:nvSpPr>
+          <p:cNvPr id="136" name="TextBox 135"/>
+          <p:cNvSpPr txBox="1"/>
+          <p:nvPr/>
+        </p:nvSpPr>
+        <p:spPr>
+          <a:xfrm>
+            <a:off x="2863190" y="5589240"/>
+            <a:ext cx="595548" cy="461665"/>
+          </a:xfrm>
+          <a:prstGeom prst="rect">
+            <a:avLst/>
+          </a:prstGeom>
+          <a:noFill/>
+        </p:spPr>
+        <p:txBody>
+          <a:bodyPr wrap="none" rtlCol="0">
+            <a:spAutoFit/>
+          </a:bodyPr>
+          <a:lstStyle/>
+          <a:p>
+            <a:r>
+              <a:rPr lang="en-US" sz="1200" dirty="0" smtClean="0"/>
+              <a:t>Food</a:t>
+            </a:r>
+            <a:endParaRPr lang="en-US" sz="1200" dirty="0" smtClean="0"/>
+          </a:p>
+          <a:p>
+            <a:r>
+              <a:rPr lang="en-US" sz="1200" dirty="0" smtClean="0"/>
+              <a:t>details</a:t>
+            </a:r>
+            <a:endParaRPr lang="en-IN" sz="1200" dirty="0"/>
+          </a:p>
+        </p:txBody>
+      </p:sp>
+      <p:sp>
+        <p:nvSpPr>
+          <p:cNvPr id="139" name="TextBox 138"/>
+          <p:cNvSpPr txBox="1"/>
+          <p:nvPr/>
+        </p:nvSpPr>
+        <p:spPr>
+          <a:xfrm>
+            <a:off x="3923928" y="4221088"/>
+            <a:ext cx="595548" cy="646331"/>
+          </a:xfrm>
+          <a:prstGeom prst="rect">
+            <a:avLst/>
+          </a:prstGeom>
+          <a:noFill/>
+        </p:spPr>
+        <p:txBody>
+          <a:bodyPr wrap="none" rtlCol="0">
+            <a:spAutoFit/>
+          </a:bodyPr>
+          <a:lstStyle/>
+          <a:p>
+            <a:r>
+              <a:rPr lang="en-US" sz="1200" dirty="0" smtClean="0"/>
+              <a:t>Send </a:t>
+            </a:r>
+          </a:p>
+          <a:p>
+            <a:r>
+              <a:rPr lang="en-US" sz="1200" dirty="0" smtClean="0"/>
+              <a:t>food </a:t>
+            </a:r>
+          </a:p>
+          <a:p>
+            <a:r>
+              <a:rPr lang="en-US" sz="1200" dirty="0" smtClean="0"/>
+              <a:t>details</a:t>
+            </a:r>
+            <a:endParaRPr lang="en-IN" sz="1200" dirty="0"/>
+          </a:p>
+        </p:txBody>
+      </p:sp>
+      <p:sp>
+        <p:nvSpPr>
+          <p:cNvPr id="141" name="TextBox 140"/>
+          <p:cNvSpPr txBox="1"/>
+          <p:nvPr/>
+        </p:nvSpPr>
+        <p:spPr>
+          <a:xfrm>
+            <a:off x="4644008" y="4221088"/>
+            <a:ext cx="654346" cy="646331"/>
+          </a:xfrm>
+          <a:prstGeom prst="rect">
+            <a:avLst/>
+          </a:prstGeom>
+          <a:noFill/>
+        </p:spPr>
+        <p:txBody>
+          <a:bodyPr wrap="none" rtlCol="0">
+            <a:spAutoFit/>
+          </a:bodyPr>
+          <a:lstStyle/>
+          <a:p>
+            <a:r>
+              <a:rPr lang="en-US" sz="1200" dirty="0" smtClean="0"/>
+              <a:t>Ask for </a:t>
+            </a:r>
+          </a:p>
+          <a:p>
+            <a:r>
+              <a:rPr lang="en-US" sz="1200" dirty="0" smtClean="0"/>
+              <a:t>food </a:t>
+            </a:r>
+          </a:p>
+          <a:p>
+            <a:r>
+              <a:rPr lang="en-US" sz="1200" dirty="0" smtClean="0"/>
+              <a:t>details</a:t>
+            </a:r>
+            <a:endParaRPr lang="en-IN" sz="1200" dirty="0"/>
+          </a:p>
+        </p:txBody>
+      </p:sp>
+      <p:cxnSp>
+        <p:nvCxnSpPr>
+          <p:cNvPr id="144" name="Straight Arrow Connector 143"/>
+          <p:cNvCxnSpPr/>
+          <p:nvPr/>
+        </p:nvCxnSpPr>
+        <p:spPr>
+          <a:xfrm flipV="1">
+            <a:off x="1691680" y="4725145"/>
+            <a:ext cx="0" cy="216023"/>
+          </a:xfrm>
+          <a:prstGeom prst="straightConnector1">
+            <a:avLst/>
+          </a:prstGeom>
+          <a:ln>
+            <a:solidFill>
+              <a:schemeClr val="tx1"/>
+            </a:solidFill>
+            <a:tailEnd type="arrow"/>
+          </a:ln>
+        </p:spPr>
+        <p:style>
+          <a:lnRef idx="1">
+            <a:schemeClr val="accent1"/>
+          </a:lnRef>
+          <a:fillRef idx="0">
+            <a:schemeClr val="accent1"/>
+          </a:fillRef>
+          <a:effectRef idx="0">
+            <a:schemeClr val="accent1"/>
+          </a:effectRef>
+          <a:fontRef idx="minor">
+            <a:schemeClr val="tx1"/>
+          </a:fontRef>
+        </p:style>
+      </p:cxnSp>
+      <p:sp>
+        <p:nvSpPr>
+          <p:cNvPr id="149" name="TextBox 148"/>
+          <p:cNvSpPr txBox="1"/>
+          <p:nvPr/>
+        </p:nvSpPr>
+        <p:spPr>
+          <a:xfrm>
+            <a:off x="4067944" y="6453336"/>
+            <a:ext cx="1425903" cy="276999"/>
+          </a:xfrm>
+          <a:prstGeom prst="rect">
+            <a:avLst/>
+          </a:prstGeom>
+          <a:noFill/>
+        </p:spPr>
+        <p:txBody>
+          <a:bodyPr wrap="none" rtlCol="0">
+            <a:spAutoFit/>
+          </a:bodyPr>
+          <a:lstStyle/>
+          <a:p>
+            <a:r>
+              <a:rPr lang="en-US" sz="1200" dirty="0" smtClean="0"/>
+              <a:t>Provide </a:t>
+            </a:r>
+            <a:r>
+              <a:rPr lang="en-US" sz="1200" dirty="0" smtClean="0"/>
+              <a:t>food </a:t>
+            </a:r>
+            <a:r>
+              <a:rPr lang="en-US" sz="1200" dirty="0" smtClean="0"/>
+              <a:t>details</a:t>
+            </a:r>
+            <a:endParaRPr lang="en-IN" sz="1200" dirty="0"/>
+          </a:p>
+        </p:txBody>
+      </p:sp>
+      <p:sp>
+        <p:nvSpPr>
+          <p:cNvPr id="151" name="TextBox 150"/>
+          <p:cNvSpPr txBox="1"/>
+          <p:nvPr/>
+        </p:nvSpPr>
+        <p:spPr>
+          <a:xfrm>
+            <a:off x="5580112" y="5445224"/>
+            <a:ext cx="612668" cy="646331"/>
+          </a:xfrm>
+          <a:prstGeom prst="rect">
+            <a:avLst/>
+          </a:prstGeom>
+          <a:noFill/>
+        </p:spPr>
+        <p:txBody>
+          <a:bodyPr wrap="none" rtlCol="0">
+            <a:spAutoFit/>
+          </a:bodyPr>
+          <a:lstStyle/>
+          <a:p>
+            <a:r>
+              <a:rPr lang="en-US" sz="1200" dirty="0" smtClean="0"/>
+              <a:t>Add </a:t>
+            </a:r>
+          </a:p>
+          <a:p>
+            <a:r>
+              <a:rPr lang="en-US" sz="1200" dirty="0" smtClean="0"/>
+              <a:t>food </a:t>
+            </a:r>
+            <a:endParaRPr lang="en-US" sz="1200" dirty="0" smtClean="0"/>
+          </a:p>
+          <a:p>
+            <a:r>
+              <a:rPr lang="en-US" sz="1200" dirty="0" smtClean="0"/>
+              <a:t>details</a:t>
+            </a:r>
+          </a:p>
+        </p:txBody>
+      </p:sp>
+      <p:sp>
+        <p:nvSpPr>
+          <p:cNvPr id="162" name="TextBox 161"/>
+          <p:cNvSpPr txBox="1"/>
+          <p:nvPr/>
+        </p:nvSpPr>
+        <p:spPr>
+          <a:xfrm>
+            <a:off x="2981550" y="4726885"/>
+            <a:ext cx="654346" cy="646331"/>
+          </a:xfrm>
+          <a:prstGeom prst="rect">
+            <a:avLst/>
+          </a:prstGeom>
+          <a:noFill/>
+        </p:spPr>
+        <p:txBody>
+          <a:bodyPr wrap="none" rtlCol="0">
+            <a:spAutoFit/>
+          </a:bodyPr>
+          <a:lstStyle/>
+          <a:p>
+            <a:r>
+              <a:rPr lang="en-US" sz="1200" dirty="0" smtClean="0"/>
+              <a:t>Ask for </a:t>
+            </a:r>
+          </a:p>
+          <a:p>
+            <a:r>
+              <a:rPr lang="en-US" sz="1200" dirty="0" smtClean="0"/>
+              <a:t>Weight</a:t>
+            </a:r>
+          </a:p>
+          <a:p>
+            <a:r>
+              <a:rPr lang="en-US" sz="1200" dirty="0" smtClean="0"/>
+              <a:t>details</a:t>
+            </a:r>
+            <a:endParaRPr lang="en-US" sz="1200" dirty="0" smtClean="0"/>
+          </a:p>
+        </p:txBody>
+      </p:sp>
+      <p:sp>
+        <p:nvSpPr>
+          <p:cNvPr id="184" name="TextBox 183"/>
+          <p:cNvSpPr txBox="1"/>
+          <p:nvPr/>
+        </p:nvSpPr>
+        <p:spPr>
+          <a:xfrm>
+            <a:off x="6444208" y="5229200"/>
+            <a:ext cx="692818" cy="830997"/>
+          </a:xfrm>
+          <a:prstGeom prst="rect">
+            <a:avLst/>
+          </a:prstGeom>
+          <a:noFill/>
+        </p:spPr>
+        <p:txBody>
+          <a:bodyPr wrap="none" rtlCol="0">
+            <a:spAutoFit/>
+          </a:bodyPr>
+          <a:lstStyle/>
+          <a:p>
+            <a:r>
+              <a:rPr lang="en-US" sz="1200" dirty="0" smtClean="0"/>
+              <a:t>Provide </a:t>
+            </a:r>
+          </a:p>
+          <a:p>
+            <a:r>
+              <a:rPr lang="en-US" sz="1200" dirty="0" smtClean="0"/>
+              <a:t>user’s</a:t>
+            </a:r>
+          </a:p>
+          <a:p>
+            <a:r>
+              <a:rPr lang="en-US" sz="1200" dirty="0" smtClean="0"/>
+              <a:t>exercise</a:t>
+            </a:r>
+            <a:endParaRPr lang="en-US" sz="1200" dirty="0" smtClean="0"/>
+          </a:p>
+          <a:p>
+            <a:r>
+              <a:rPr lang="en-US" sz="1200" dirty="0" smtClean="0"/>
+              <a:t>details</a:t>
+            </a:r>
+          </a:p>
+        </p:txBody>
+      </p:sp>
+      <p:sp>
+        <p:nvSpPr>
+          <p:cNvPr id="185" name="TextBox 184"/>
+          <p:cNvSpPr txBox="1"/>
+          <p:nvPr/>
+        </p:nvSpPr>
+        <p:spPr>
+          <a:xfrm>
+            <a:off x="5364088" y="3861048"/>
+            <a:ext cx="964559" cy="646331"/>
+          </a:xfrm>
+          <a:prstGeom prst="rect">
+            <a:avLst/>
+          </a:prstGeom>
+          <a:noFill/>
+        </p:spPr>
+        <p:txBody>
+          <a:bodyPr wrap="none" rtlCol="0">
+            <a:spAutoFit/>
+          </a:bodyPr>
+          <a:lstStyle/>
+          <a:p>
+            <a:r>
+              <a:rPr lang="en-US" sz="1200" dirty="0" smtClean="0"/>
+              <a:t>Provide</a:t>
+            </a:r>
+          </a:p>
+          <a:p>
+            <a:r>
+              <a:rPr lang="en-US" sz="1200" dirty="0" smtClean="0"/>
+              <a:t>T</a:t>
+            </a:r>
+            <a:r>
+              <a:rPr lang="en-US" sz="1200" dirty="0" smtClean="0"/>
+              <a:t>he user’s</a:t>
+            </a:r>
+            <a:endParaRPr lang="en-US" sz="1200" dirty="0" smtClean="0"/>
+          </a:p>
+          <a:p>
+            <a:r>
+              <a:rPr lang="en-US" sz="1200" dirty="0" smtClean="0"/>
+              <a:t>Exercise info</a:t>
+            </a:r>
+            <a:endParaRPr lang="en-US" sz="1200" dirty="0" smtClean="0"/>
+          </a:p>
+        </p:txBody>
+      </p:sp>
+      <p:sp>
+        <p:nvSpPr>
+          <p:cNvPr id="186" name="TextBox 185"/>
+          <p:cNvSpPr txBox="1"/>
+          <p:nvPr/>
+        </p:nvSpPr>
+        <p:spPr>
+          <a:xfrm>
+            <a:off x="5292080" y="4437112"/>
+            <a:ext cx="967060" cy="646331"/>
+          </a:xfrm>
+          <a:prstGeom prst="rect">
+            <a:avLst/>
+          </a:prstGeom>
+          <a:noFill/>
+        </p:spPr>
+        <p:txBody>
+          <a:bodyPr wrap="none" rtlCol="0">
+            <a:spAutoFit/>
+          </a:bodyPr>
+          <a:lstStyle/>
+          <a:p>
+            <a:r>
+              <a:rPr lang="en-US" sz="1200" dirty="0" smtClean="0"/>
+              <a:t>Get all </a:t>
+            </a:r>
+          </a:p>
+          <a:p>
+            <a:r>
+              <a:rPr lang="en-US" sz="1200" dirty="0" smtClean="0"/>
+              <a:t>The user’s</a:t>
+            </a:r>
+          </a:p>
+          <a:p>
+            <a:r>
+              <a:rPr lang="en-US" sz="1200" dirty="0" smtClean="0"/>
+              <a:t>Exercise </a:t>
+            </a:r>
+            <a:r>
+              <a:rPr lang="en-US" sz="1200" dirty="0" smtClean="0"/>
+              <a:t>Info</a:t>
+            </a:r>
+            <a:endParaRPr lang="en-IN" sz="1200" dirty="0"/>
+          </a:p>
+        </p:txBody>
+      </p:sp>
+      <p:sp>
+        <p:nvSpPr>
+          <p:cNvPr id="214" name="TextBox 213"/>
+          <p:cNvSpPr txBox="1"/>
+          <p:nvPr/>
+        </p:nvSpPr>
+        <p:spPr>
+          <a:xfrm>
+            <a:off x="8100392" y="4005064"/>
+            <a:ext cx="741613" cy="461665"/>
+          </a:xfrm>
+          <a:prstGeom prst="rect">
+            <a:avLst/>
+          </a:prstGeom>
+          <a:noFill/>
+        </p:spPr>
+        <p:txBody>
+          <a:bodyPr wrap="none" rtlCol="0">
+            <a:spAutoFit/>
+          </a:bodyPr>
+          <a:lstStyle/>
+          <a:p>
+            <a:r>
+              <a:rPr lang="en-US" sz="1200" dirty="0" smtClean="0"/>
+              <a:t>Exercise </a:t>
+            </a:r>
+            <a:endParaRPr lang="en-US" sz="1200" dirty="0" smtClean="0"/>
+          </a:p>
+          <a:p>
+            <a:r>
+              <a:rPr lang="en-US" sz="1200" dirty="0" smtClean="0"/>
+              <a:t> </a:t>
+            </a:r>
+            <a:r>
+              <a:rPr lang="en-US" sz="1200" dirty="0" smtClean="0"/>
+              <a:t>       info</a:t>
+            </a:r>
+            <a:endParaRPr lang="en-US" sz="1200" dirty="0" smtClean="0"/>
+          </a:p>
+        </p:txBody>
+      </p:sp>
+      <p:sp>
+        <p:nvSpPr>
+          <p:cNvPr id="215" name="TextBox 214"/>
+          <p:cNvSpPr txBox="1"/>
+          <p:nvPr/>
+        </p:nvSpPr>
+        <p:spPr>
+          <a:xfrm>
+            <a:off x="6372200" y="3933056"/>
+            <a:ext cx="1386855" cy="461665"/>
+          </a:xfrm>
+          <a:prstGeom prst="rect">
+            <a:avLst/>
+          </a:prstGeom>
+          <a:noFill/>
+        </p:spPr>
+        <p:txBody>
+          <a:bodyPr wrap="none" rtlCol="0">
+            <a:spAutoFit/>
+          </a:bodyPr>
+          <a:lstStyle/>
+          <a:p>
+            <a:r>
+              <a:rPr lang="en-US" sz="1200" dirty="0" smtClean="0"/>
+              <a:t>User’s </a:t>
+            </a:r>
+            <a:r>
+              <a:rPr lang="en-US" sz="1200" dirty="0" smtClean="0"/>
+              <a:t>Exercise info</a:t>
+            </a:r>
+          </a:p>
+          <a:p>
+            <a:endParaRPr lang="en-IN" sz="1200" dirty="0"/>
+          </a:p>
+        </p:txBody>
+      </p:sp>
+      <p:grpSp>
+        <p:nvGrpSpPr>
+          <p:cNvPr id="128" name="Group 134"/>
+          <p:cNvGrpSpPr/>
+          <p:nvPr/>
+        </p:nvGrpSpPr>
+        <p:grpSpPr>
+          <a:xfrm>
+            <a:off x="1763688" y="620688"/>
+            <a:ext cx="1728192" cy="1152128"/>
+            <a:chOff x="539552" y="1412776"/>
+            <a:chExt cx="1728192" cy="1152128"/>
+          </a:xfrm>
+        </p:grpSpPr>
+        <p:sp>
+          <p:nvSpPr>
+            <p:cNvPr id="130" name="TextBox 129"/>
+            <p:cNvSpPr txBox="1"/>
+            <p:nvPr/>
+          </p:nvSpPr>
+          <p:spPr>
+            <a:xfrm>
+              <a:off x="1298322" y="1484784"/>
+              <a:ext cx="184730" cy="369332"/>
+            </a:xfrm>
+            <a:prstGeom prst="rect">
+              <a:avLst/>
+            </a:prstGeom>
+            <a:noFill/>
+          </p:spPr>
+          <p:txBody>
+            <a:bodyPr wrap="none" rtlCol="0">
+              <a:spAutoFit/>
+            </a:bodyPr>
+            <a:lstStyle/>
+            <a:p>
+              <a:pPr algn="ctr"/>
+              <a:endParaRPr lang="en-IN" dirty="0"/>
+            </a:p>
+          </p:txBody>
+        </p:sp>
+        <p:sp>
+          <p:nvSpPr>
+            <p:cNvPr id="133" name="Oval 132"/>
+            <p:cNvSpPr/>
+            <p:nvPr/>
+          </p:nvSpPr>
+          <p:spPr>
+            <a:xfrm>
+              <a:off x="539552" y="1412776"/>
+              <a:ext cx="1728192" cy="1152128"/>
+            </a:xfrm>
+            <a:prstGeom prst="ellipse">
+              <a:avLst/>
+            </a:prstGeom>
+            <a:noFill/>
+            <a:ln>
+              <a:solidFill>
+                <a:schemeClr val="tx1"/>
+              </a:solidFill>
+            </a:ln>
+          </p:spPr>
+          <p:style>
+            <a:lnRef idx="2">
+              <a:schemeClr val="accent1">
+                <a:shade val="50000"/>
+              </a:schemeClr>
+            </a:lnRef>
+            <a:fillRef idx="1">
+              <a:schemeClr val="accent1"/>
+            </a:fillRef>
+            <a:effectRef idx="0">
+              <a:schemeClr val="accent1"/>
+            </a:effectRef>
+            <a:fontRef idx="minor">
+              <a:schemeClr val="lt1"/>
+            </a:fontRef>
+          </p:style>
+          <p:txBody>
+            <a:bodyPr rtlCol="0" anchor="ctr"/>
+            <a:lstStyle/>
+            <a:p>
+              <a:pPr algn="ctr"/>
+              <a:endParaRPr lang="en-IN" dirty="0"/>
+            </a:p>
+          </p:txBody>
+        </p:sp>
+      </p:grpSp>
+      <p:grpSp>
+        <p:nvGrpSpPr>
+          <p:cNvPr id="134" name="Group 125"/>
+          <p:cNvGrpSpPr/>
+          <p:nvPr/>
+        </p:nvGrpSpPr>
+        <p:grpSpPr>
+          <a:xfrm>
+            <a:off x="35496" y="44624"/>
+            <a:ext cx="2304256" cy="504056"/>
+            <a:chOff x="6263680" y="233264"/>
+            <a:chExt cx="2304256" cy="504056"/>
+          </a:xfrm>
+        </p:grpSpPr>
+        <p:sp>
+          <p:nvSpPr>
+            <p:cNvPr id="135" name="Rectangle 134"/>
+            <p:cNvSpPr/>
+            <p:nvPr/>
+          </p:nvSpPr>
+          <p:spPr>
+            <a:xfrm>
+              <a:off x="6263680" y="233264"/>
+              <a:ext cx="2304256" cy="504056"/>
+            </a:xfrm>
+            <a:prstGeom prst="rect">
+              <a:avLst/>
+            </a:prstGeom>
+            <a:noFill/>
+            <a:ln>
+              <a:solidFill>
+                <a:schemeClr val="tx1"/>
+              </a:solidFill>
+            </a:ln>
+          </p:spPr>
+          <p:style>
+            <a:lnRef idx="2">
+              <a:schemeClr val="accent1">
+                <a:shade val="50000"/>
+              </a:schemeClr>
+            </a:lnRef>
+            <a:fillRef idx="1">
+              <a:schemeClr val="accent1"/>
+            </a:fillRef>
+            <a:effectRef idx="0">
+              <a:schemeClr val="accent1"/>
+            </a:effectRef>
+            <a:fontRef idx="minor">
+              <a:schemeClr val="lt1"/>
+            </a:fontRef>
+          </p:style>
+          <p:txBody>
+            <a:bodyPr rtlCol="0" anchor="ctr"/>
+            <a:lstStyle/>
+            <a:p>
+              <a:pPr algn="ctr"/>
+              <a:endParaRPr lang="en-IN"/>
+            </a:p>
+          </p:txBody>
+        </p:sp>
+        <p:cxnSp>
+          <p:nvCxnSpPr>
+            <p:cNvPr id="137" name="Straight Connector 136"/>
+            <p:cNvCxnSpPr/>
+            <p:nvPr/>
+          </p:nvCxnSpPr>
+          <p:spPr>
+            <a:xfrm>
+              <a:off x="7956376" y="233264"/>
+              <a:ext cx="0" cy="504056"/>
+            </a:xfrm>
+            <a:prstGeom prst="line">
+              <a:avLst/>
+            </a:prstGeom>
+            <a:ln>
+              <a:solidFill>
+                <a:schemeClr val="tx1"/>
+              </a:solidFill>
+            </a:ln>
+          </p:spPr>
+          <p:style>
+            <a:lnRef idx="1">
+              <a:schemeClr val="accent1"/>
+            </a:lnRef>
+            <a:fillRef idx="0">
+              <a:schemeClr val="accent1"/>
+            </a:fillRef>
+            <a:effectRef idx="0">
+              <a:schemeClr val="accent1"/>
+            </a:effectRef>
+            <a:fontRef idx="minor">
+              <a:schemeClr val="tx1"/>
+            </a:fontRef>
+          </p:style>
+        </p:cxnSp>
+        <p:sp>
+          <p:nvSpPr>
+            <p:cNvPr id="138" name="TextBox 137"/>
+            <p:cNvSpPr txBox="1"/>
+            <p:nvPr/>
+          </p:nvSpPr>
+          <p:spPr>
+            <a:xfrm>
+              <a:off x="6551712" y="295980"/>
+              <a:ext cx="1784336" cy="369332"/>
+            </a:xfrm>
+            <a:prstGeom prst="rect">
+              <a:avLst/>
+            </a:prstGeom>
+            <a:noFill/>
+          </p:spPr>
+          <p:txBody>
+            <a:bodyPr wrap="square" rtlCol="0">
+              <a:spAutoFit/>
+            </a:bodyPr>
+            <a:lstStyle/>
+            <a:p>
+              <a:r>
+                <a:rPr lang="en-US" dirty="0" smtClean="0"/>
+                <a:t>User Details</a:t>
+              </a:r>
+              <a:endParaRPr lang="en-IN" dirty="0"/>
+            </a:p>
+          </p:txBody>
+        </p:sp>
+        <p:sp>
+          <p:nvSpPr>
+            <p:cNvPr id="143" name="TextBox 142"/>
+            <p:cNvSpPr txBox="1"/>
+            <p:nvPr/>
+          </p:nvSpPr>
+          <p:spPr>
+            <a:xfrm>
+              <a:off x="8028384" y="260648"/>
+              <a:ext cx="444352" cy="369332"/>
+            </a:xfrm>
+            <a:prstGeom prst="rect">
+              <a:avLst/>
+            </a:prstGeom>
+            <a:noFill/>
+          </p:spPr>
+          <p:txBody>
+            <a:bodyPr wrap="none" rtlCol="0">
+              <a:spAutoFit/>
+            </a:bodyPr>
+            <a:lstStyle/>
+            <a:p>
+              <a:r>
+                <a:rPr lang="en-US" dirty="0" smtClean="0"/>
+                <a:t>D1</a:t>
+              </a:r>
+              <a:endParaRPr lang="en-IN" dirty="0"/>
+            </a:p>
+          </p:txBody>
+        </p:sp>
+      </p:grpSp>
+      <p:sp>
+        <p:nvSpPr>
+          <p:cNvPr id="145" name="Rectangle 144"/>
+          <p:cNvSpPr/>
+          <p:nvPr/>
+        </p:nvSpPr>
+        <p:spPr>
+          <a:xfrm>
+            <a:off x="35496" y="980728"/>
+            <a:ext cx="1584176" cy="504056"/>
+          </a:xfrm>
+          <a:prstGeom prst="rect">
+            <a:avLst/>
+          </a:prstGeom>
+          <a:noFill/>
+          <a:ln>
+            <a:solidFill>
+              <a:schemeClr val="tx1"/>
+            </a:solidFill>
+          </a:ln>
+        </p:spPr>
+        <p:style>
+          <a:lnRef idx="2">
+            <a:schemeClr val="accent1">
+              <a:shade val="50000"/>
+            </a:schemeClr>
+          </a:lnRef>
+          <a:fillRef idx="1">
+            <a:schemeClr val="accent1"/>
+          </a:fillRef>
+          <a:effectRef idx="0">
+            <a:schemeClr val="accent1"/>
+          </a:effectRef>
+          <a:fontRef idx="minor">
+            <a:schemeClr val="lt1"/>
+          </a:fontRef>
+        </p:style>
+        <p:txBody>
+          <a:bodyPr rtlCol="0" anchor="ctr"/>
+          <a:lstStyle/>
+          <a:p>
+            <a:pPr algn="ctr"/>
+            <a:endParaRPr lang="en-IN"/>
+          </a:p>
+        </p:txBody>
+      </p:sp>
+      <p:sp>
+        <p:nvSpPr>
+          <p:cNvPr id="146" name="TextBox 145"/>
+          <p:cNvSpPr txBox="1"/>
+          <p:nvPr/>
+        </p:nvSpPr>
+        <p:spPr>
+          <a:xfrm>
+            <a:off x="251294" y="1835532"/>
+            <a:ext cx="982641" cy="369332"/>
+          </a:xfrm>
+          <a:prstGeom prst="rect">
+            <a:avLst/>
+          </a:prstGeom>
+          <a:noFill/>
+        </p:spPr>
+        <p:txBody>
+          <a:bodyPr wrap="none" rtlCol="0">
+            <a:spAutoFit/>
+          </a:bodyPr>
+          <a:lstStyle/>
+          <a:p>
+            <a:pPr algn="ctr"/>
+            <a:r>
+              <a:rPr lang="en-US" dirty="0" smtClean="0"/>
+              <a:t>Progress</a:t>
+            </a:r>
+            <a:endParaRPr lang="en-IN" dirty="0"/>
+          </a:p>
+        </p:txBody>
+      </p:sp>
+      <p:sp>
+        <p:nvSpPr>
+          <p:cNvPr id="147" name="TextBox 146"/>
+          <p:cNvSpPr txBox="1"/>
+          <p:nvPr/>
+        </p:nvSpPr>
+        <p:spPr>
+          <a:xfrm>
+            <a:off x="755576" y="5157192"/>
+            <a:ext cx="1126206" cy="923330"/>
+          </a:xfrm>
+          <a:prstGeom prst="rect">
+            <a:avLst/>
+          </a:prstGeom>
+          <a:noFill/>
+        </p:spPr>
+        <p:txBody>
+          <a:bodyPr wrap="none" rtlCol="0">
+            <a:spAutoFit/>
+          </a:bodyPr>
+          <a:lstStyle/>
+          <a:p>
+            <a:pPr algn="ctr"/>
+            <a:r>
+              <a:rPr lang="en-US" dirty="0" smtClean="0"/>
+              <a:t>Weight </a:t>
+            </a:r>
+          </a:p>
+          <a:p>
+            <a:pPr algn="ctr"/>
+            <a:r>
+              <a:rPr lang="en-IN" dirty="0" smtClean="0"/>
+              <a:t>Controller</a:t>
+            </a:r>
+          </a:p>
+          <a:p>
+            <a:pPr algn="ctr"/>
+            <a:endParaRPr lang="en-IN" dirty="0"/>
+          </a:p>
+        </p:txBody>
+      </p:sp>
+      <p:sp>
+        <p:nvSpPr>
+          <p:cNvPr id="148" name="TextBox 147"/>
+          <p:cNvSpPr txBox="1"/>
+          <p:nvPr/>
+        </p:nvSpPr>
+        <p:spPr>
+          <a:xfrm>
+            <a:off x="611560" y="6381328"/>
+            <a:ext cx="908261" cy="369332"/>
+          </a:xfrm>
+          <a:prstGeom prst="rect">
+            <a:avLst/>
+          </a:prstGeom>
+          <a:noFill/>
+        </p:spPr>
+        <p:txBody>
+          <a:bodyPr wrap="none" rtlCol="0">
+            <a:spAutoFit/>
+          </a:bodyPr>
+          <a:lstStyle/>
+          <a:p>
+            <a:pPr algn="ctr"/>
+            <a:r>
+              <a:rPr lang="en-US" dirty="0" smtClean="0"/>
+              <a:t>Weight </a:t>
+            </a:r>
+          </a:p>
+        </p:txBody>
+      </p:sp>
+      <p:sp>
+        <p:nvSpPr>
+          <p:cNvPr id="152" name="TextBox 151"/>
+          <p:cNvSpPr txBox="1"/>
+          <p:nvPr/>
+        </p:nvSpPr>
+        <p:spPr>
+          <a:xfrm>
+            <a:off x="4067944" y="5085184"/>
+            <a:ext cx="1126206" cy="646331"/>
+          </a:xfrm>
+          <a:prstGeom prst="rect">
+            <a:avLst/>
+          </a:prstGeom>
+          <a:noFill/>
+        </p:spPr>
+        <p:txBody>
+          <a:bodyPr wrap="none" rtlCol="0">
+            <a:spAutoFit/>
+          </a:bodyPr>
+          <a:lstStyle/>
+          <a:p>
+            <a:pPr algn="ctr"/>
+            <a:r>
+              <a:rPr lang="en-US" dirty="0" smtClean="0"/>
+              <a:t>Food</a:t>
+            </a:r>
+          </a:p>
+          <a:p>
+            <a:pPr algn="ctr"/>
+            <a:r>
+              <a:rPr lang="en-IN" dirty="0" smtClean="0"/>
+              <a:t>Controller</a:t>
+            </a:r>
+            <a:endParaRPr lang="en-IN" dirty="0"/>
+          </a:p>
+        </p:txBody>
+      </p:sp>
+      <p:cxnSp>
+        <p:nvCxnSpPr>
+          <p:cNvPr id="169" name="Straight Arrow Connector 168"/>
+          <p:cNvCxnSpPr/>
+          <p:nvPr/>
+        </p:nvCxnSpPr>
+        <p:spPr>
+          <a:xfrm flipV="1">
+            <a:off x="4499992" y="1700808"/>
+            <a:ext cx="0" cy="1152128"/>
+          </a:xfrm>
+          <a:prstGeom prst="straightConnector1">
+            <a:avLst/>
+          </a:prstGeom>
+          <a:ln>
+            <a:solidFill>
+              <a:schemeClr val="tx1"/>
+            </a:solidFill>
+            <a:tailEnd type="arrow"/>
+          </a:ln>
+        </p:spPr>
+        <p:style>
+          <a:lnRef idx="1">
+            <a:schemeClr val="accent1"/>
+          </a:lnRef>
+          <a:fillRef idx="0">
+            <a:schemeClr val="accent1"/>
+          </a:fillRef>
+          <a:effectRef idx="0">
+            <a:schemeClr val="accent1"/>
+          </a:effectRef>
+          <a:fontRef idx="minor">
+            <a:schemeClr val="tx1"/>
+          </a:fontRef>
+        </p:style>
+      </p:cxnSp>
+      <p:cxnSp>
+        <p:nvCxnSpPr>
+          <p:cNvPr id="175" name="Elbow Connector 139"/>
+          <p:cNvCxnSpPr>
+            <a:endCxn id="44" idx="2"/>
+          </p:cNvCxnSpPr>
+          <p:nvPr/>
+        </p:nvCxnSpPr>
+        <p:spPr>
+          <a:xfrm rot="16200000" flipH="1">
+            <a:off x="3726436" y="783236"/>
+            <a:ext cx="792088" cy="178960"/>
+          </a:xfrm>
+          <a:prstGeom prst="bentConnector2">
+            <a:avLst/>
+          </a:prstGeom>
+          <a:ln>
+            <a:solidFill>
+              <a:schemeClr val="tx1"/>
+            </a:solidFill>
+            <a:tailEnd type="arrow"/>
+          </a:ln>
+        </p:spPr>
+        <p:style>
+          <a:lnRef idx="1">
+            <a:schemeClr val="accent1"/>
+          </a:lnRef>
+          <a:fillRef idx="0">
+            <a:schemeClr val="accent1"/>
+          </a:fillRef>
+          <a:effectRef idx="0">
+            <a:schemeClr val="accent1"/>
+          </a:effectRef>
+          <a:fontRef idx="minor">
+            <a:schemeClr val="tx1"/>
+          </a:fontRef>
+        </p:style>
+      </p:cxnSp>
+      <p:cxnSp>
+        <p:nvCxnSpPr>
+          <p:cNvPr id="182" name="Elbow Connector 139"/>
+          <p:cNvCxnSpPr>
+            <a:endCxn id="133" idx="0"/>
+          </p:cNvCxnSpPr>
+          <p:nvPr/>
+        </p:nvCxnSpPr>
+        <p:spPr>
+          <a:xfrm rot="16200000" flipH="1">
+            <a:off x="2274094" y="266998"/>
+            <a:ext cx="432048" cy="275332"/>
+          </a:xfrm>
+          <a:prstGeom prst="bentConnector3">
+            <a:avLst>
+              <a:gd name="adj1" fmla="val 3242"/>
+            </a:avLst>
+          </a:prstGeom>
+          <a:ln>
+            <a:solidFill>
+              <a:schemeClr val="tx1"/>
+            </a:solidFill>
+            <a:tailEnd type="arrow"/>
+          </a:ln>
+        </p:spPr>
+        <p:style>
+          <a:lnRef idx="1">
+            <a:schemeClr val="accent1"/>
+          </a:lnRef>
+          <a:fillRef idx="0">
+            <a:schemeClr val="accent1"/>
+          </a:fillRef>
+          <a:effectRef idx="0">
+            <a:schemeClr val="accent1"/>
+          </a:effectRef>
+          <a:fontRef idx="minor">
+            <a:schemeClr val="tx1"/>
+          </a:fontRef>
+        </p:style>
+      </p:cxnSp>
+      <p:cxnSp>
+        <p:nvCxnSpPr>
+          <p:cNvPr id="192" name="Elbow Connector 139"/>
+          <p:cNvCxnSpPr>
+            <a:endCxn id="135" idx="2"/>
+          </p:cNvCxnSpPr>
+          <p:nvPr/>
+        </p:nvCxnSpPr>
+        <p:spPr>
+          <a:xfrm rot="10800000">
+            <a:off x="1187624" y="548680"/>
+            <a:ext cx="720080" cy="288032"/>
+          </a:xfrm>
+          <a:prstGeom prst="bentConnector2">
+            <a:avLst/>
+          </a:prstGeom>
+          <a:ln>
+            <a:solidFill>
+              <a:schemeClr val="tx1"/>
+            </a:solidFill>
+            <a:tailEnd type="arrow"/>
+          </a:ln>
+        </p:spPr>
+        <p:style>
+          <a:lnRef idx="1">
+            <a:schemeClr val="accent1"/>
+          </a:lnRef>
+          <a:fillRef idx="0">
+            <a:schemeClr val="accent1"/>
+          </a:fillRef>
+          <a:effectRef idx="0">
+            <a:schemeClr val="accent1"/>
+          </a:effectRef>
+          <a:fontRef idx="minor">
+            <a:schemeClr val="tx1"/>
+          </a:fontRef>
+        </p:style>
+      </p:cxnSp>
+      <p:cxnSp>
+        <p:nvCxnSpPr>
+          <p:cNvPr id="206" name="Elbow Connector 139"/>
+          <p:cNvCxnSpPr>
+            <a:endCxn id="133" idx="3"/>
+          </p:cNvCxnSpPr>
+          <p:nvPr/>
+        </p:nvCxnSpPr>
+        <p:spPr>
+          <a:xfrm>
+            <a:off x="899592" y="1484784"/>
+            <a:ext cx="1117184" cy="119307"/>
+          </a:xfrm>
+          <a:prstGeom prst="bentConnector4">
+            <a:avLst>
+              <a:gd name="adj1" fmla="val 38673"/>
+              <a:gd name="adj2" fmla="val 193576"/>
+            </a:avLst>
+          </a:prstGeom>
+          <a:ln>
+            <a:solidFill>
+              <a:schemeClr val="tx1"/>
+            </a:solidFill>
+            <a:tailEnd type="arrow"/>
+          </a:ln>
+        </p:spPr>
+        <p:style>
+          <a:lnRef idx="1">
+            <a:schemeClr val="accent1"/>
+          </a:lnRef>
+          <a:fillRef idx="0">
+            <a:schemeClr val="accent1"/>
+          </a:fillRef>
+          <a:effectRef idx="0">
+            <a:schemeClr val="accent1"/>
+          </a:effectRef>
+          <a:fontRef idx="minor">
+            <a:schemeClr val="tx1"/>
+          </a:fontRef>
+        </p:style>
+      </p:cxnSp>
+      <p:cxnSp>
+        <p:nvCxnSpPr>
+          <p:cNvPr id="210" name="Elbow Connector 139"/>
+          <p:cNvCxnSpPr>
+            <a:endCxn id="47" idx="1"/>
+          </p:cNvCxnSpPr>
+          <p:nvPr/>
+        </p:nvCxnSpPr>
+        <p:spPr>
+          <a:xfrm>
+            <a:off x="395536" y="2276872"/>
+            <a:ext cx="397104" cy="240733"/>
+          </a:xfrm>
+          <a:prstGeom prst="bentConnector2">
+            <a:avLst/>
+          </a:prstGeom>
+          <a:ln>
+            <a:solidFill>
+              <a:schemeClr val="tx1"/>
+            </a:solidFill>
+            <a:tailEnd type="arrow"/>
+          </a:ln>
+        </p:spPr>
+        <p:style>
+          <a:lnRef idx="1">
+            <a:schemeClr val="accent1"/>
+          </a:lnRef>
+          <a:fillRef idx="0">
+            <a:schemeClr val="accent1"/>
+          </a:fillRef>
+          <a:effectRef idx="0">
+            <a:schemeClr val="accent1"/>
+          </a:effectRef>
+          <a:fontRef idx="minor">
+            <a:schemeClr val="tx1"/>
+          </a:fontRef>
+        </p:style>
+      </p:cxnSp>
+      <p:cxnSp>
+        <p:nvCxnSpPr>
+          <p:cNvPr id="217" name="Elbow Connector 139"/>
+          <p:cNvCxnSpPr>
+            <a:stCxn id="47" idx="6"/>
+          </p:cNvCxnSpPr>
+          <p:nvPr/>
+        </p:nvCxnSpPr>
+        <p:spPr>
+          <a:xfrm>
+            <a:off x="2267744" y="2924944"/>
+            <a:ext cx="72008" cy="720080"/>
+          </a:xfrm>
+          <a:prstGeom prst="bentConnector2">
+            <a:avLst/>
+          </a:prstGeom>
+          <a:ln>
+            <a:solidFill>
+              <a:schemeClr val="tx1"/>
+            </a:solidFill>
+            <a:tailEnd type="arrow"/>
+          </a:ln>
+        </p:spPr>
+        <p:style>
+          <a:lnRef idx="1">
+            <a:schemeClr val="accent1"/>
+          </a:lnRef>
+          <a:fillRef idx="0">
+            <a:schemeClr val="accent1"/>
+          </a:fillRef>
+          <a:effectRef idx="0">
+            <a:schemeClr val="accent1"/>
+          </a:effectRef>
+          <a:fontRef idx="minor">
+            <a:schemeClr val="tx1"/>
+          </a:fontRef>
+        </p:style>
+      </p:cxnSp>
+      <p:cxnSp>
+        <p:nvCxnSpPr>
+          <p:cNvPr id="221" name="Elbow Connector 139"/>
+          <p:cNvCxnSpPr>
+            <a:endCxn id="47" idx="3"/>
+          </p:cNvCxnSpPr>
+          <p:nvPr/>
+        </p:nvCxnSpPr>
+        <p:spPr>
+          <a:xfrm flipV="1">
+            <a:off x="107504" y="3332283"/>
+            <a:ext cx="685136" cy="312741"/>
+          </a:xfrm>
+          <a:prstGeom prst="bentConnector2">
+            <a:avLst/>
+          </a:prstGeom>
+          <a:ln>
+            <a:solidFill>
+              <a:schemeClr val="tx1"/>
+            </a:solidFill>
+            <a:tailEnd type="arrow"/>
+          </a:ln>
+        </p:spPr>
+        <p:style>
+          <a:lnRef idx="1">
+            <a:schemeClr val="accent1"/>
+          </a:lnRef>
+          <a:fillRef idx="0">
+            <a:schemeClr val="accent1"/>
+          </a:fillRef>
+          <a:effectRef idx="0">
+            <a:schemeClr val="accent1"/>
+          </a:effectRef>
+          <a:fontRef idx="minor">
+            <a:schemeClr val="tx1"/>
+          </a:fontRef>
+        </p:style>
+      </p:cxnSp>
+      <p:cxnSp>
+        <p:nvCxnSpPr>
+          <p:cNvPr id="229" name="Straight Connector 228"/>
+          <p:cNvCxnSpPr/>
+          <p:nvPr/>
+        </p:nvCxnSpPr>
+        <p:spPr>
+          <a:xfrm flipH="1">
+            <a:off x="1979712" y="5157192"/>
+            <a:ext cx="648072" cy="0"/>
+          </a:xfrm>
+          <a:prstGeom prst="line">
+            <a:avLst/>
+          </a:prstGeom>
+          <a:ln>
+            <a:solidFill>
+              <a:schemeClr val="tx1"/>
+            </a:solidFill>
+          </a:ln>
+        </p:spPr>
+        <p:style>
+          <a:lnRef idx="1">
+            <a:schemeClr val="accent1"/>
+          </a:lnRef>
+          <a:fillRef idx="0">
+            <a:schemeClr val="accent1"/>
+          </a:fillRef>
+          <a:effectRef idx="0">
+            <a:schemeClr val="accent1"/>
+          </a:effectRef>
+          <a:fontRef idx="minor">
+            <a:schemeClr val="tx1"/>
+          </a:fontRef>
+        </p:style>
+      </p:cxnSp>
+      <p:cxnSp>
+        <p:nvCxnSpPr>
+          <p:cNvPr id="231" name="Elbow Connector 139"/>
+          <p:cNvCxnSpPr>
+            <a:stCxn id="133" idx="6"/>
+          </p:cNvCxnSpPr>
+          <p:nvPr/>
+        </p:nvCxnSpPr>
+        <p:spPr>
+          <a:xfrm>
+            <a:off x="3491880" y="1196752"/>
+            <a:ext cx="432048" cy="1800200"/>
+          </a:xfrm>
+          <a:prstGeom prst="bentConnector2">
+            <a:avLst/>
+          </a:prstGeom>
+          <a:ln>
+            <a:solidFill>
+              <a:schemeClr val="tx1"/>
+            </a:solidFill>
+            <a:tailEnd type="arrow"/>
+          </a:ln>
+        </p:spPr>
+        <p:style>
+          <a:lnRef idx="1">
+            <a:schemeClr val="accent1"/>
+          </a:lnRef>
+          <a:fillRef idx="0">
+            <a:schemeClr val="accent1"/>
+          </a:fillRef>
+          <a:effectRef idx="0">
+            <a:schemeClr val="accent1"/>
+          </a:effectRef>
+          <a:fontRef idx="minor">
+            <a:schemeClr val="tx1"/>
+          </a:fontRef>
+        </p:style>
+      </p:cxnSp>
+      <p:cxnSp>
+        <p:nvCxnSpPr>
+          <p:cNvPr id="242" name="Elbow Connector 139"/>
+          <p:cNvCxnSpPr/>
+          <p:nvPr/>
+        </p:nvCxnSpPr>
+        <p:spPr>
+          <a:xfrm rot="16200000" flipV="1">
+            <a:off x="2555777" y="2132856"/>
+            <a:ext cx="1440160" cy="720079"/>
+          </a:xfrm>
+          <a:prstGeom prst="bentConnector3">
+            <a:avLst>
+              <a:gd name="adj1" fmla="val 86176"/>
+            </a:avLst>
+          </a:prstGeom>
+          <a:ln>
+            <a:solidFill>
+              <a:schemeClr val="tx1"/>
+            </a:solidFill>
+            <a:tailEnd type="arrow"/>
+          </a:ln>
+        </p:spPr>
+        <p:style>
+          <a:lnRef idx="1">
+            <a:schemeClr val="accent1"/>
+          </a:lnRef>
+          <a:fillRef idx="0">
+            <a:schemeClr val="accent1"/>
+          </a:fillRef>
+          <a:effectRef idx="0">
+            <a:schemeClr val="accent1"/>
+          </a:effectRef>
+          <a:fontRef idx="minor">
+            <a:schemeClr val="tx1"/>
+          </a:fontRef>
+        </p:style>
+      </p:cxnSp>
+      <p:cxnSp>
+        <p:nvCxnSpPr>
+          <p:cNvPr id="252" name="Elbow Connector 139"/>
+          <p:cNvCxnSpPr/>
+          <p:nvPr/>
+        </p:nvCxnSpPr>
+        <p:spPr>
+          <a:xfrm rot="10800000">
+            <a:off x="1835696" y="2420888"/>
+            <a:ext cx="1800200" cy="864096"/>
+          </a:xfrm>
+          <a:prstGeom prst="bentConnector3">
+            <a:avLst>
+              <a:gd name="adj1" fmla="val 22831"/>
+            </a:avLst>
+          </a:prstGeom>
+          <a:ln>
+            <a:solidFill>
+              <a:schemeClr val="tx1"/>
+            </a:solidFill>
+            <a:tailEnd type="arrow"/>
+          </a:ln>
+        </p:spPr>
+        <p:style>
+          <a:lnRef idx="1">
+            <a:schemeClr val="accent1"/>
+          </a:lnRef>
+          <a:fillRef idx="0">
+            <a:schemeClr val="accent1"/>
+          </a:fillRef>
+          <a:effectRef idx="0">
+            <a:schemeClr val="accent1"/>
+          </a:effectRef>
+          <a:fontRef idx="minor">
+            <a:schemeClr val="tx1"/>
+          </a:fontRef>
+        </p:style>
+      </p:cxnSp>
+      <p:cxnSp>
+        <p:nvCxnSpPr>
+          <p:cNvPr id="260" name="Elbow Connector 139"/>
+          <p:cNvCxnSpPr/>
+          <p:nvPr/>
+        </p:nvCxnSpPr>
+        <p:spPr>
+          <a:xfrm>
+            <a:off x="2195736" y="2708920"/>
+            <a:ext cx="1368152" cy="720080"/>
+          </a:xfrm>
+          <a:prstGeom prst="bentConnector3">
+            <a:avLst>
+              <a:gd name="adj1" fmla="val 50000"/>
+            </a:avLst>
+          </a:prstGeom>
+          <a:ln>
+            <a:solidFill>
+              <a:schemeClr val="tx1"/>
+            </a:solidFill>
+            <a:tailEnd type="arrow"/>
+          </a:ln>
+        </p:spPr>
+        <p:style>
+          <a:lnRef idx="1">
+            <a:schemeClr val="accent1"/>
+          </a:lnRef>
+          <a:fillRef idx="0">
+            <a:schemeClr val="accent1"/>
+          </a:fillRef>
+          <a:effectRef idx="0">
+            <a:schemeClr val="accent1"/>
+          </a:effectRef>
+          <a:fontRef idx="minor">
+            <a:schemeClr val="tx1"/>
+          </a:fontRef>
+        </p:style>
+      </p:cxnSp>
+      <p:cxnSp>
+        <p:nvCxnSpPr>
+          <p:cNvPr id="265" name="Elbow Connector 139"/>
+          <p:cNvCxnSpPr/>
+          <p:nvPr/>
+        </p:nvCxnSpPr>
+        <p:spPr>
+          <a:xfrm flipV="1">
+            <a:off x="5580112" y="2324172"/>
+            <a:ext cx="1477224" cy="888804"/>
+          </a:xfrm>
+          <a:prstGeom prst="bentConnector3">
+            <a:avLst>
+              <a:gd name="adj1" fmla="val 50000"/>
+            </a:avLst>
+          </a:prstGeom>
+          <a:ln>
+            <a:solidFill>
+              <a:schemeClr val="tx1"/>
+            </a:solidFill>
+            <a:tailEnd type="arrow"/>
+          </a:ln>
+        </p:spPr>
+        <p:style>
+          <a:lnRef idx="1">
+            <a:schemeClr val="accent1"/>
+          </a:lnRef>
+          <a:fillRef idx="0">
+            <a:schemeClr val="accent1"/>
+          </a:fillRef>
+          <a:effectRef idx="0">
+            <a:schemeClr val="accent1"/>
+          </a:effectRef>
+          <a:fontRef idx="minor">
+            <a:schemeClr val="tx1"/>
+          </a:fontRef>
+        </p:style>
+      </p:cxnSp>
+      <p:cxnSp>
+        <p:nvCxnSpPr>
+          <p:cNvPr id="271" name="Elbow Connector 139"/>
+          <p:cNvCxnSpPr>
+            <a:endCxn id="67" idx="7"/>
+          </p:cNvCxnSpPr>
+          <p:nvPr/>
+        </p:nvCxnSpPr>
+        <p:spPr>
+          <a:xfrm rot="10800000" flipV="1">
+            <a:off x="5346306" y="2132856"/>
+            <a:ext cx="1529951" cy="909896"/>
+          </a:xfrm>
+          <a:prstGeom prst="bentConnector2">
+            <a:avLst/>
+          </a:prstGeom>
+          <a:ln>
+            <a:solidFill>
+              <a:schemeClr val="tx1"/>
+            </a:solidFill>
+            <a:tailEnd type="arrow"/>
+          </a:ln>
+        </p:spPr>
+        <p:style>
+          <a:lnRef idx="1">
+            <a:schemeClr val="accent1"/>
+          </a:lnRef>
+          <a:fillRef idx="0">
+            <a:schemeClr val="accent1"/>
+          </a:fillRef>
+          <a:effectRef idx="0">
+            <a:schemeClr val="accent1"/>
+          </a:effectRef>
+          <a:fontRef idx="minor">
+            <a:schemeClr val="tx1"/>
+          </a:fontRef>
+        </p:style>
+      </p:cxnSp>
+      <p:sp>
+        <p:nvSpPr>
+          <p:cNvPr id="276" name="TextBox 275"/>
+          <p:cNvSpPr txBox="1"/>
+          <p:nvPr/>
+        </p:nvSpPr>
+        <p:spPr>
+          <a:xfrm>
+            <a:off x="0" y="548680"/>
+            <a:ext cx="1691679" cy="276999"/>
+          </a:xfrm>
+          <a:prstGeom prst="rect">
+            <a:avLst/>
+          </a:prstGeom>
+          <a:noFill/>
+        </p:spPr>
+        <p:txBody>
+          <a:bodyPr wrap="square" rtlCol="0">
+            <a:spAutoFit/>
+          </a:bodyPr>
+          <a:lstStyle/>
+          <a:p>
+            <a:r>
+              <a:rPr lang="en-US" sz="1200" dirty="0" smtClean="0"/>
+              <a:t>Get </a:t>
+            </a:r>
+            <a:r>
+              <a:rPr lang="en-US" sz="1200" dirty="0" smtClean="0"/>
+              <a:t>health </a:t>
+            </a:r>
+            <a:r>
+              <a:rPr lang="en-US" sz="1200" dirty="0" smtClean="0"/>
+              <a:t>details</a:t>
+            </a:r>
+            <a:endParaRPr lang="en-IN" sz="1200" dirty="0"/>
+          </a:p>
+        </p:txBody>
+      </p:sp>
+      <p:sp>
+        <p:nvSpPr>
+          <p:cNvPr id="277" name="TextBox 276"/>
+          <p:cNvSpPr txBox="1"/>
+          <p:nvPr/>
+        </p:nvSpPr>
+        <p:spPr>
+          <a:xfrm>
+            <a:off x="0" y="1484784"/>
+            <a:ext cx="1691679" cy="276999"/>
+          </a:xfrm>
+          <a:prstGeom prst="rect">
+            <a:avLst/>
+          </a:prstGeom>
+          <a:noFill/>
+        </p:spPr>
+        <p:txBody>
+          <a:bodyPr wrap="square" rtlCol="0">
+            <a:spAutoFit/>
+          </a:bodyPr>
+          <a:lstStyle/>
+          <a:p>
+            <a:r>
+              <a:rPr lang="en-US" sz="1200" dirty="0" smtClean="0"/>
+              <a:t>User </a:t>
+            </a:r>
+            <a:r>
+              <a:rPr lang="en-US" sz="1200" dirty="0" smtClean="0"/>
+              <a:t>health </a:t>
+            </a:r>
+            <a:r>
+              <a:rPr lang="en-US" sz="1200" dirty="0" smtClean="0"/>
+              <a:t>details</a:t>
+            </a:r>
+            <a:endParaRPr lang="en-IN" sz="1200" dirty="0"/>
+          </a:p>
+        </p:txBody>
+      </p:sp>
+      <p:sp>
+        <p:nvSpPr>
+          <p:cNvPr id="278" name="TextBox 277"/>
+          <p:cNvSpPr txBox="1"/>
+          <p:nvPr/>
+        </p:nvSpPr>
+        <p:spPr>
+          <a:xfrm>
+            <a:off x="2555776" y="0"/>
+            <a:ext cx="864096" cy="646331"/>
+          </a:xfrm>
+          <a:prstGeom prst="rect">
+            <a:avLst/>
+          </a:prstGeom>
+          <a:noFill/>
+        </p:spPr>
+        <p:txBody>
+          <a:bodyPr wrap="square" rtlCol="0">
+            <a:spAutoFit/>
+          </a:bodyPr>
+          <a:lstStyle/>
+          <a:p>
+            <a:r>
+              <a:rPr lang="en-US" sz="1200" dirty="0" smtClean="0"/>
+              <a:t>Provide </a:t>
+            </a:r>
+          </a:p>
+          <a:p>
+            <a:r>
+              <a:rPr lang="en-US" sz="1200" dirty="0" smtClean="0"/>
+              <a:t>Health</a:t>
+            </a:r>
+          </a:p>
+          <a:p>
+            <a:r>
+              <a:rPr lang="en-US" sz="1200" dirty="0" smtClean="0"/>
+              <a:t>details</a:t>
+            </a:r>
+            <a:endParaRPr lang="en-IN" sz="1200" dirty="0"/>
+          </a:p>
+        </p:txBody>
+      </p:sp>
+      <p:sp>
+        <p:nvSpPr>
+          <p:cNvPr id="280" name="TextBox 279"/>
+          <p:cNvSpPr txBox="1"/>
+          <p:nvPr/>
+        </p:nvSpPr>
+        <p:spPr>
+          <a:xfrm>
+            <a:off x="1691680" y="1772816"/>
+            <a:ext cx="1691679" cy="276999"/>
+          </a:xfrm>
+          <a:prstGeom prst="rect">
+            <a:avLst/>
+          </a:prstGeom>
+          <a:noFill/>
+        </p:spPr>
+        <p:txBody>
+          <a:bodyPr wrap="square" rtlCol="0">
+            <a:spAutoFit/>
+          </a:bodyPr>
+          <a:lstStyle/>
+          <a:p>
+            <a:r>
+              <a:rPr lang="en-US" sz="1200" dirty="0" smtClean="0"/>
+              <a:t>Get </a:t>
+            </a:r>
+            <a:r>
+              <a:rPr lang="en-US" sz="1200" dirty="0" smtClean="0"/>
+              <a:t>health </a:t>
+            </a:r>
+            <a:r>
+              <a:rPr lang="en-US" sz="1200" dirty="0" smtClean="0"/>
+              <a:t>details</a:t>
+            </a:r>
+            <a:endParaRPr lang="en-IN" sz="1200" dirty="0"/>
+          </a:p>
+        </p:txBody>
+      </p:sp>
+      <p:sp>
+        <p:nvSpPr>
+          <p:cNvPr id="281" name="TextBox 280"/>
+          <p:cNvSpPr txBox="1"/>
+          <p:nvPr/>
+        </p:nvSpPr>
+        <p:spPr>
+          <a:xfrm>
+            <a:off x="3347864" y="1340768"/>
+            <a:ext cx="1691679" cy="646331"/>
+          </a:xfrm>
+          <a:prstGeom prst="rect">
+            <a:avLst/>
+          </a:prstGeom>
+          <a:noFill/>
+        </p:spPr>
+        <p:txBody>
+          <a:bodyPr wrap="square" rtlCol="0">
+            <a:spAutoFit/>
+          </a:bodyPr>
+          <a:lstStyle/>
+          <a:p>
+            <a:r>
+              <a:rPr lang="en-US" sz="1200" dirty="0" smtClean="0"/>
+              <a:t>Provide</a:t>
+            </a:r>
+          </a:p>
+          <a:p>
+            <a:r>
+              <a:rPr lang="en-US" sz="1200" dirty="0" smtClean="0"/>
+              <a:t>fitness</a:t>
+            </a:r>
+          </a:p>
+          <a:p>
+            <a:r>
+              <a:rPr lang="en-US" sz="1200" dirty="0" smtClean="0"/>
+              <a:t> </a:t>
+            </a:r>
+            <a:r>
+              <a:rPr lang="en-US" sz="1200" dirty="0" smtClean="0"/>
+              <a:t>details</a:t>
+            </a:r>
+            <a:endParaRPr lang="en-IN" sz="1200" dirty="0"/>
+          </a:p>
+        </p:txBody>
+      </p:sp>
+      <p:sp>
+        <p:nvSpPr>
+          <p:cNvPr id="282" name="TextBox 281"/>
+          <p:cNvSpPr txBox="1"/>
+          <p:nvPr/>
+        </p:nvSpPr>
+        <p:spPr>
+          <a:xfrm>
+            <a:off x="0" y="2276872"/>
+            <a:ext cx="1691679" cy="646331"/>
+          </a:xfrm>
+          <a:prstGeom prst="rect">
+            <a:avLst/>
+          </a:prstGeom>
+          <a:noFill/>
+        </p:spPr>
+        <p:txBody>
+          <a:bodyPr wrap="square" rtlCol="0">
+            <a:spAutoFit/>
+          </a:bodyPr>
+          <a:lstStyle/>
+          <a:p>
+            <a:r>
+              <a:rPr lang="en-US" sz="1200" dirty="0" smtClean="0"/>
+              <a:t>Send </a:t>
+            </a:r>
+          </a:p>
+          <a:p>
+            <a:r>
+              <a:rPr lang="en-US" sz="1200" dirty="0" smtClean="0"/>
+              <a:t>progress</a:t>
+            </a:r>
+          </a:p>
+          <a:p>
+            <a:r>
+              <a:rPr lang="en-US" sz="1200" dirty="0" smtClean="0"/>
+              <a:t>details</a:t>
+            </a:r>
+            <a:endParaRPr lang="en-IN" sz="1200" dirty="0"/>
+          </a:p>
+        </p:txBody>
+      </p:sp>
+      <p:sp>
+        <p:nvSpPr>
+          <p:cNvPr id="292" name="TextBox 291"/>
+          <p:cNvSpPr txBox="1"/>
+          <p:nvPr/>
+        </p:nvSpPr>
+        <p:spPr>
+          <a:xfrm>
+            <a:off x="0" y="2996952"/>
+            <a:ext cx="1691679" cy="646331"/>
+          </a:xfrm>
+          <a:prstGeom prst="rect">
+            <a:avLst/>
+          </a:prstGeom>
+          <a:noFill/>
+        </p:spPr>
+        <p:txBody>
+          <a:bodyPr wrap="square" rtlCol="0">
+            <a:spAutoFit/>
+          </a:bodyPr>
+          <a:lstStyle/>
+          <a:p>
+            <a:r>
+              <a:rPr lang="en-US" sz="1200" dirty="0" smtClean="0"/>
+              <a:t>Get </a:t>
+            </a:r>
+          </a:p>
+          <a:p>
+            <a:r>
+              <a:rPr lang="en-US" sz="1200" dirty="0" smtClean="0"/>
+              <a:t>progress</a:t>
+            </a:r>
+          </a:p>
+          <a:p>
+            <a:r>
+              <a:rPr lang="en-US" sz="1200" dirty="0" smtClean="0"/>
+              <a:t>info</a:t>
+            </a:r>
+            <a:endParaRPr lang="en-IN" sz="1200" dirty="0"/>
+          </a:p>
+        </p:txBody>
+      </p:sp>
+      <p:sp>
+        <p:nvSpPr>
+          <p:cNvPr id="293" name="TextBox 292"/>
+          <p:cNvSpPr txBox="1"/>
+          <p:nvPr/>
+        </p:nvSpPr>
+        <p:spPr>
+          <a:xfrm>
+            <a:off x="2267744" y="2852936"/>
+            <a:ext cx="648072" cy="830997"/>
+          </a:xfrm>
+          <a:prstGeom prst="rect">
+            <a:avLst/>
+          </a:prstGeom>
+          <a:noFill/>
+        </p:spPr>
+        <p:txBody>
+          <a:bodyPr wrap="square" rtlCol="0">
+            <a:spAutoFit/>
+          </a:bodyPr>
+          <a:lstStyle/>
+          <a:p>
+            <a:r>
+              <a:rPr lang="en-US" sz="1200" dirty="0" smtClean="0"/>
+              <a:t>Ask for</a:t>
+            </a:r>
+          </a:p>
+          <a:p>
+            <a:r>
+              <a:rPr lang="en-US" sz="1200" dirty="0" smtClean="0"/>
+              <a:t>progress</a:t>
+            </a:r>
+          </a:p>
+          <a:p>
+            <a:r>
+              <a:rPr lang="en-US" sz="1200" dirty="0" smtClean="0"/>
+              <a:t>details</a:t>
+            </a:r>
+            <a:endParaRPr lang="en-IN" sz="1200" dirty="0"/>
+          </a:p>
+        </p:txBody>
+      </p:sp>
+      <p:sp>
+        <p:nvSpPr>
+          <p:cNvPr id="298" name="TextBox 297"/>
+          <p:cNvSpPr txBox="1"/>
+          <p:nvPr/>
+        </p:nvSpPr>
+        <p:spPr>
+          <a:xfrm>
+            <a:off x="216025" y="5877272"/>
+            <a:ext cx="1691679" cy="461665"/>
+          </a:xfrm>
+          <a:prstGeom prst="rect">
+            <a:avLst/>
+          </a:prstGeom>
+          <a:noFill/>
+        </p:spPr>
+        <p:txBody>
+          <a:bodyPr wrap="square" rtlCol="0">
+            <a:spAutoFit/>
+          </a:bodyPr>
+          <a:lstStyle/>
+          <a:p>
+            <a:r>
+              <a:rPr lang="en-US" sz="1200" dirty="0" smtClean="0"/>
+              <a:t>Weight</a:t>
+            </a:r>
+          </a:p>
+          <a:p>
+            <a:r>
+              <a:rPr lang="en-US" sz="1200" dirty="0" smtClean="0"/>
+              <a:t>details</a:t>
+            </a:r>
+            <a:endParaRPr lang="en-IN" sz="1200" dirty="0"/>
+          </a:p>
+        </p:txBody>
+      </p:sp>
+      <p:sp>
+        <p:nvSpPr>
+          <p:cNvPr id="299" name="TextBox 298"/>
+          <p:cNvSpPr txBox="1"/>
+          <p:nvPr/>
+        </p:nvSpPr>
+        <p:spPr>
+          <a:xfrm>
+            <a:off x="0" y="4725144"/>
+            <a:ext cx="1691679" cy="646331"/>
+          </a:xfrm>
+          <a:prstGeom prst="rect">
+            <a:avLst/>
+          </a:prstGeom>
+          <a:noFill/>
+        </p:spPr>
+        <p:txBody>
+          <a:bodyPr wrap="square" rtlCol="0">
+            <a:spAutoFit/>
+          </a:bodyPr>
+          <a:lstStyle/>
+          <a:p>
+            <a:r>
+              <a:rPr lang="en-US" sz="1200" dirty="0" smtClean="0"/>
+              <a:t>Send </a:t>
+            </a:r>
+          </a:p>
+          <a:p>
+            <a:r>
+              <a:rPr lang="en-US" sz="1200" dirty="0" smtClean="0"/>
+              <a:t>Weight</a:t>
+            </a:r>
+          </a:p>
+          <a:p>
+            <a:r>
+              <a:rPr lang="en-US" sz="1200" dirty="0" smtClean="0"/>
+              <a:t>info</a:t>
+            </a:r>
+            <a:endParaRPr lang="en-IN" sz="1200" dirty="0"/>
+          </a:p>
+        </p:txBody>
+      </p:sp>
+      <p:sp>
+        <p:nvSpPr>
+          <p:cNvPr id="302" name="TextBox 301"/>
+          <p:cNvSpPr txBox="1"/>
+          <p:nvPr/>
+        </p:nvSpPr>
+        <p:spPr>
+          <a:xfrm>
+            <a:off x="1763688" y="4653136"/>
+            <a:ext cx="1691679" cy="461665"/>
+          </a:xfrm>
+          <a:prstGeom prst="rect">
+            <a:avLst/>
+          </a:prstGeom>
+          <a:noFill/>
+        </p:spPr>
+        <p:txBody>
+          <a:bodyPr wrap="square" rtlCol="0">
+            <a:spAutoFit/>
+          </a:bodyPr>
+          <a:lstStyle/>
+          <a:p>
+            <a:r>
+              <a:rPr lang="en-US" sz="1200" dirty="0" smtClean="0"/>
+              <a:t>Ask </a:t>
+            </a:r>
+          </a:p>
+          <a:p>
+            <a:r>
+              <a:rPr lang="en-US" sz="1200" dirty="0" smtClean="0"/>
+              <a:t>Weight info</a:t>
+            </a:r>
+            <a:endParaRPr lang="en-IN" sz="1200" dirty="0"/>
+          </a:p>
+        </p:txBody>
+      </p:sp>
+      <p:sp>
+        <p:nvSpPr>
+          <p:cNvPr id="304" name="TextBox 303"/>
+          <p:cNvSpPr txBox="1"/>
+          <p:nvPr/>
+        </p:nvSpPr>
+        <p:spPr>
+          <a:xfrm>
+            <a:off x="2555776" y="3933056"/>
+            <a:ext cx="654346" cy="646331"/>
+          </a:xfrm>
+          <a:prstGeom prst="rect">
+            <a:avLst/>
+          </a:prstGeom>
+          <a:noFill/>
+        </p:spPr>
+        <p:txBody>
+          <a:bodyPr wrap="none" rtlCol="0">
+            <a:spAutoFit/>
+          </a:bodyPr>
+          <a:lstStyle/>
+          <a:p>
+            <a:r>
+              <a:rPr lang="en-US" sz="1200" dirty="0" smtClean="0"/>
+              <a:t>Get</a:t>
+            </a:r>
+            <a:endParaRPr lang="en-US" sz="1200" dirty="0" smtClean="0"/>
+          </a:p>
+          <a:p>
+            <a:r>
+              <a:rPr lang="en-US" sz="1200" dirty="0" smtClean="0"/>
+              <a:t>Weight</a:t>
+            </a:r>
+          </a:p>
+          <a:p>
+            <a:r>
+              <a:rPr lang="en-US" sz="1200" dirty="0" smtClean="0"/>
+              <a:t>details</a:t>
+            </a:r>
+            <a:endParaRPr lang="en-US" sz="1200" dirty="0" smtClean="0"/>
+          </a:p>
+        </p:txBody>
+      </p:sp>
+      <p:sp>
+        <p:nvSpPr>
+          <p:cNvPr id="305" name="TextBox 304"/>
+          <p:cNvSpPr txBox="1"/>
+          <p:nvPr/>
+        </p:nvSpPr>
+        <p:spPr>
+          <a:xfrm>
+            <a:off x="1691680" y="2132856"/>
+            <a:ext cx="1897635" cy="276999"/>
+          </a:xfrm>
+          <a:prstGeom prst="rect">
+            <a:avLst/>
+          </a:prstGeom>
+          <a:noFill/>
+        </p:spPr>
+        <p:txBody>
+          <a:bodyPr wrap="none" rtlCol="0">
+            <a:spAutoFit/>
+          </a:bodyPr>
+          <a:lstStyle/>
+          <a:p>
+            <a:r>
+              <a:rPr lang="en-US" sz="1200" dirty="0" smtClean="0"/>
+              <a:t>Provide </a:t>
+            </a:r>
+            <a:r>
+              <a:rPr lang="en-US" sz="1200" dirty="0" smtClean="0"/>
+              <a:t>T</a:t>
+            </a:r>
+            <a:r>
+              <a:rPr lang="en-US" sz="1200" dirty="0" smtClean="0"/>
+              <a:t>he user’s progress</a:t>
+            </a:r>
+            <a:endParaRPr lang="en-US" sz="1200" dirty="0" smtClean="0"/>
+          </a:p>
+        </p:txBody>
+      </p:sp>
+      <p:sp>
+        <p:nvSpPr>
+          <p:cNvPr id="306" name="TextBox 305"/>
+          <p:cNvSpPr txBox="1"/>
+          <p:nvPr/>
+        </p:nvSpPr>
+        <p:spPr>
+          <a:xfrm>
+            <a:off x="1979712" y="2420888"/>
+            <a:ext cx="1633528" cy="276999"/>
+          </a:xfrm>
+          <a:prstGeom prst="rect">
+            <a:avLst/>
+          </a:prstGeom>
+          <a:noFill/>
+        </p:spPr>
+        <p:txBody>
+          <a:bodyPr wrap="square" rtlCol="0">
+            <a:spAutoFit/>
+          </a:bodyPr>
+          <a:lstStyle/>
+          <a:p>
+            <a:r>
+              <a:rPr lang="en-US" sz="1200" dirty="0" smtClean="0"/>
+              <a:t> </a:t>
+            </a:r>
+            <a:r>
+              <a:rPr lang="en-US" sz="1200" dirty="0" smtClean="0"/>
+              <a:t> </a:t>
+            </a:r>
+            <a:r>
+              <a:rPr lang="en-US" sz="1200" dirty="0" smtClean="0"/>
+              <a:t>User’s progress</a:t>
+            </a:r>
+            <a:endParaRPr lang="en-US" sz="1200" dirty="0" smtClean="0"/>
+          </a:p>
+        </p:txBody>
+      </p:sp>
+      <p:sp>
+        <p:nvSpPr>
+          <p:cNvPr id="307" name="TextBox 306"/>
+          <p:cNvSpPr txBox="1"/>
+          <p:nvPr/>
+        </p:nvSpPr>
+        <p:spPr>
+          <a:xfrm>
+            <a:off x="6569706" y="2935977"/>
+            <a:ext cx="882614" cy="276999"/>
+          </a:xfrm>
+          <a:prstGeom prst="rect">
+            <a:avLst/>
+          </a:prstGeom>
+          <a:noFill/>
+        </p:spPr>
+        <p:txBody>
+          <a:bodyPr wrap="none" rtlCol="0">
+            <a:spAutoFit/>
+          </a:bodyPr>
+          <a:lstStyle/>
+          <a:p>
+            <a:r>
+              <a:rPr lang="en-US" sz="1200" dirty="0" smtClean="0"/>
+              <a:t>User’s data</a:t>
+            </a:r>
+            <a:endParaRPr lang="en-IN" sz="1200" dirty="0"/>
+          </a:p>
+        </p:txBody>
+      </p:sp>
+      <p:sp>
+        <p:nvSpPr>
+          <p:cNvPr id="308" name="TextBox 307"/>
+          <p:cNvSpPr txBox="1"/>
+          <p:nvPr/>
+        </p:nvSpPr>
+        <p:spPr>
+          <a:xfrm>
+            <a:off x="8532440" y="1916832"/>
+            <a:ext cx="692818" cy="646331"/>
+          </a:xfrm>
+          <a:prstGeom prst="rect">
+            <a:avLst/>
+          </a:prstGeom>
+          <a:noFill/>
+        </p:spPr>
+        <p:txBody>
+          <a:bodyPr wrap="none" rtlCol="0">
+            <a:spAutoFit/>
+          </a:bodyPr>
+          <a:lstStyle/>
+          <a:p>
+            <a:r>
+              <a:rPr lang="en-IN" sz="1200" dirty="0" smtClean="0"/>
+              <a:t>Provide </a:t>
+            </a:r>
+            <a:endParaRPr lang="en-IN" sz="1200" dirty="0" smtClean="0"/>
+          </a:p>
+          <a:p>
+            <a:r>
+              <a:rPr lang="en-IN" sz="1200" dirty="0" smtClean="0"/>
+              <a:t>fitness</a:t>
+            </a:r>
+            <a:endParaRPr lang="en-IN" sz="1200" dirty="0" smtClean="0"/>
+          </a:p>
+          <a:p>
+            <a:r>
+              <a:rPr lang="en-IN" sz="1200" dirty="0" smtClean="0"/>
+              <a:t>details</a:t>
+            </a:r>
+            <a:endParaRPr lang="en-IN" sz="1200" dirty="0"/>
+          </a:p>
+        </p:txBody>
+      </p:sp>
+      <p:sp>
+        <p:nvSpPr>
+          <p:cNvPr id="309" name="TextBox 308"/>
+          <p:cNvSpPr txBox="1"/>
+          <p:nvPr/>
+        </p:nvSpPr>
+        <p:spPr>
+          <a:xfrm>
+            <a:off x="5919578" y="1412776"/>
+            <a:ext cx="596638" cy="646331"/>
+          </a:xfrm>
+          <a:prstGeom prst="rect">
+            <a:avLst/>
+          </a:prstGeom>
+          <a:noFill/>
+        </p:spPr>
+        <p:txBody>
+          <a:bodyPr wrap="none" rtlCol="0">
+            <a:spAutoFit/>
+          </a:bodyPr>
+          <a:lstStyle/>
+          <a:p>
+            <a:r>
+              <a:rPr lang="en-IN" sz="1200" dirty="0" smtClean="0"/>
+              <a:t>Get </a:t>
+            </a:r>
+            <a:endParaRPr lang="en-IN" sz="1200" dirty="0" smtClean="0"/>
+          </a:p>
+          <a:p>
+            <a:r>
+              <a:rPr lang="en-IN" sz="1200" dirty="0" smtClean="0"/>
+              <a:t>fitness</a:t>
+            </a:r>
+            <a:endParaRPr lang="en-IN" sz="1200" dirty="0" smtClean="0"/>
+          </a:p>
+          <a:p>
+            <a:r>
+              <a:rPr lang="en-IN" sz="1200" dirty="0" smtClean="0"/>
+              <a:t>details</a:t>
+            </a:r>
+            <a:endParaRPr lang="en-IN" sz="1200" dirty="0"/>
+          </a:p>
+        </p:txBody>
+      </p:sp>
+      <p:sp>
+        <p:nvSpPr>
+          <p:cNvPr id="310" name="TextBox 309"/>
+          <p:cNvSpPr txBox="1"/>
+          <p:nvPr/>
+        </p:nvSpPr>
+        <p:spPr>
+          <a:xfrm>
+            <a:off x="5292080" y="2132856"/>
+            <a:ext cx="1074525" cy="461665"/>
+          </a:xfrm>
+          <a:prstGeom prst="rect">
+            <a:avLst/>
+          </a:prstGeom>
+          <a:noFill/>
+        </p:spPr>
+        <p:txBody>
+          <a:bodyPr wrap="none" rtlCol="0">
+            <a:spAutoFit/>
+          </a:bodyPr>
+          <a:lstStyle/>
+          <a:p>
+            <a:r>
+              <a:rPr lang="en-US" sz="1200" dirty="0" smtClean="0"/>
+              <a:t>Gather all the </a:t>
+            </a:r>
+          </a:p>
+          <a:p>
+            <a:r>
+              <a:rPr lang="en-US" sz="1200" dirty="0" smtClean="0"/>
+              <a:t>user’s data</a:t>
+            </a:r>
+            <a:endParaRPr lang="en-IN" sz="1200" dirty="0"/>
+          </a:p>
+        </p:txBody>
+      </p:sp>
+      <p:sp>
+        <p:nvSpPr>
+          <p:cNvPr id="311" name="TextBox 310"/>
+          <p:cNvSpPr txBox="1"/>
+          <p:nvPr/>
+        </p:nvSpPr>
+        <p:spPr>
+          <a:xfrm>
+            <a:off x="5588781" y="2564904"/>
+            <a:ext cx="855427" cy="646331"/>
+          </a:xfrm>
+          <a:prstGeom prst="rect">
+            <a:avLst/>
+          </a:prstGeom>
+          <a:noFill/>
+        </p:spPr>
+        <p:txBody>
+          <a:bodyPr wrap="none" rtlCol="0">
+            <a:spAutoFit/>
+          </a:bodyPr>
+          <a:lstStyle/>
+          <a:p>
+            <a:r>
+              <a:rPr lang="en-US" sz="1200" dirty="0" smtClean="0"/>
+              <a:t>Provide </a:t>
+            </a:r>
+            <a:r>
+              <a:rPr lang="en-US" sz="1200" dirty="0" smtClean="0"/>
+              <a:t>all</a:t>
+            </a:r>
+          </a:p>
+          <a:p>
+            <a:r>
+              <a:rPr lang="en-US" sz="1200" dirty="0" smtClean="0"/>
+              <a:t>The user’s </a:t>
+            </a:r>
+          </a:p>
+          <a:p>
+            <a:r>
+              <a:rPr lang="en-US" sz="1200" dirty="0" smtClean="0"/>
+              <a:t>data</a:t>
+            </a:r>
+            <a:endParaRPr lang="en-IN" sz="1200" dirty="0"/>
+          </a:p>
+        </p:txBody>
+      </p:sp>
+      <p:sp>
+        <p:nvSpPr>
+          <p:cNvPr id="312" name="TextBox 311"/>
+          <p:cNvSpPr txBox="1"/>
+          <p:nvPr/>
+        </p:nvSpPr>
+        <p:spPr>
+          <a:xfrm>
+            <a:off x="3923928" y="1988840"/>
+            <a:ext cx="692818" cy="646331"/>
+          </a:xfrm>
+          <a:prstGeom prst="rect">
+            <a:avLst/>
+          </a:prstGeom>
+          <a:noFill/>
+        </p:spPr>
+        <p:txBody>
+          <a:bodyPr wrap="none" rtlCol="0">
+            <a:spAutoFit/>
+          </a:bodyPr>
+          <a:lstStyle/>
+          <a:p>
+            <a:r>
+              <a:rPr lang="en-US" sz="1200" dirty="0" smtClean="0"/>
+              <a:t>Provide </a:t>
+            </a:r>
+            <a:endParaRPr lang="en-US" sz="1200" dirty="0" smtClean="0"/>
+          </a:p>
+          <a:p>
+            <a:r>
+              <a:rPr lang="en-US" sz="1200" dirty="0" smtClean="0"/>
+              <a:t>All Diet </a:t>
+            </a:r>
+          </a:p>
+          <a:p>
+            <a:r>
+              <a:rPr lang="en-US" sz="1200" dirty="0" smtClean="0"/>
+              <a:t>info</a:t>
+            </a:r>
+            <a:endParaRPr lang="en-IN" sz="1200" dirty="0"/>
+          </a:p>
+        </p:txBody>
+      </p:sp>
+      <p:sp>
+        <p:nvSpPr>
+          <p:cNvPr id="313" name="TextBox 312"/>
+          <p:cNvSpPr txBox="1"/>
+          <p:nvPr/>
+        </p:nvSpPr>
+        <p:spPr>
+          <a:xfrm>
+            <a:off x="4572000" y="1916832"/>
+            <a:ext cx="692818" cy="646331"/>
+          </a:xfrm>
+          <a:prstGeom prst="rect">
+            <a:avLst/>
+          </a:prstGeom>
+          <a:noFill/>
+        </p:spPr>
+        <p:txBody>
+          <a:bodyPr wrap="none" rtlCol="0">
+            <a:spAutoFit/>
+          </a:bodyPr>
+          <a:lstStyle/>
+          <a:p>
+            <a:r>
+              <a:rPr lang="en-US" sz="1200" dirty="0" smtClean="0"/>
+              <a:t>Get </a:t>
+            </a:r>
+          </a:p>
+          <a:p>
+            <a:r>
+              <a:rPr lang="en-US" sz="1200" dirty="0" smtClean="0"/>
+              <a:t>All Diet </a:t>
+            </a:r>
+          </a:p>
+          <a:p>
+            <a:r>
+              <a:rPr lang="en-US" sz="1200" dirty="0" smtClean="0"/>
+              <a:t>info</a:t>
+            </a:r>
+            <a:endParaRPr lang="en-IN" sz="1200" dirty="0"/>
+          </a:p>
+        </p:txBody>
+      </p:sp>
+      <p:sp>
+        <p:nvSpPr>
+          <p:cNvPr id="314" name="TextBox 313"/>
+          <p:cNvSpPr txBox="1"/>
+          <p:nvPr/>
+        </p:nvSpPr>
+        <p:spPr>
+          <a:xfrm>
+            <a:off x="3563888" y="548680"/>
+            <a:ext cx="477182" cy="461665"/>
+          </a:xfrm>
+          <a:prstGeom prst="rect">
+            <a:avLst/>
+          </a:prstGeom>
+          <a:noFill/>
+        </p:spPr>
+        <p:txBody>
+          <a:bodyPr wrap="none" rtlCol="0">
+            <a:spAutoFit/>
+          </a:bodyPr>
+          <a:lstStyle/>
+          <a:p>
+            <a:r>
+              <a:rPr lang="en-US" sz="1200" dirty="0" smtClean="0"/>
+              <a:t>Diet </a:t>
+            </a:r>
+          </a:p>
+          <a:p>
+            <a:r>
+              <a:rPr lang="en-US" sz="1200" dirty="0" smtClean="0"/>
+              <a:t>info</a:t>
+            </a:r>
+            <a:endParaRPr lang="en-IN" sz="1200" dirty="0"/>
+          </a:p>
+        </p:txBody>
+      </p:sp>
+      <p:sp>
+        <p:nvSpPr>
+          <p:cNvPr id="315" name="TextBox 314"/>
+          <p:cNvSpPr txBox="1"/>
+          <p:nvPr/>
+        </p:nvSpPr>
+        <p:spPr>
+          <a:xfrm>
+            <a:off x="4788024" y="0"/>
+            <a:ext cx="477182" cy="461665"/>
+          </a:xfrm>
+          <a:prstGeom prst="rect">
+            <a:avLst/>
+          </a:prstGeom>
+          <a:noFill/>
+        </p:spPr>
+        <p:txBody>
+          <a:bodyPr wrap="none" rtlCol="0">
+            <a:spAutoFit/>
+          </a:bodyPr>
+          <a:lstStyle/>
+          <a:p>
+            <a:r>
+              <a:rPr lang="en-US" sz="1200" dirty="0" smtClean="0"/>
+              <a:t>Diet </a:t>
+            </a:r>
+          </a:p>
+          <a:p>
+            <a:r>
+              <a:rPr lang="en-US" sz="1200" dirty="0" smtClean="0"/>
+              <a:t>info</a:t>
+            </a:r>
+            <a:endParaRPr lang="en-IN" sz="1200" dirty="0"/>
+          </a:p>
+        </p:txBody>
+      </p:sp>
+      <p:sp>
+        <p:nvSpPr>
+          <p:cNvPr id="316" name="TextBox 315"/>
+          <p:cNvSpPr txBox="1"/>
+          <p:nvPr/>
+        </p:nvSpPr>
+        <p:spPr>
+          <a:xfrm>
+            <a:off x="5868144" y="620688"/>
+            <a:ext cx="477182" cy="461665"/>
+          </a:xfrm>
+          <a:prstGeom prst="rect">
+            <a:avLst/>
+          </a:prstGeom>
+          <a:noFill/>
+        </p:spPr>
+        <p:txBody>
+          <a:bodyPr wrap="none" rtlCol="0">
+            <a:spAutoFit/>
+          </a:bodyPr>
+          <a:lstStyle/>
+          <a:p>
+            <a:r>
+              <a:rPr lang="en-US" sz="1200" dirty="0" smtClean="0"/>
+              <a:t>Diet </a:t>
+            </a:r>
+          </a:p>
+          <a:p>
+            <a:r>
+              <a:rPr lang="en-US" sz="1200" dirty="0" smtClean="0"/>
+              <a:t>info</a:t>
+            </a:r>
+            <a:endParaRPr lang="en-IN" sz="1200" dirty="0"/>
           </a:p>
         </p:txBody>
       </p:sp>
